--- a/Kantack_Tulsa_Presentation.pptx
+++ b/Kantack_Tulsa_Presentation.pptx
@@ -118,11 +118,71 @@
       </a:defRPr>
     </a:lvl9pPr>
   </p:defaultTextStyle>
+  <p:extLst>
+    <p:ext uri="{EFAFB233-063F-42B5-8137-9DF3F51BA10A}">
+      <p15:sldGuideLst xmlns:p15="http://schemas.microsoft.com/office/powerpoint/2012/main">
+        <p15:guide id="1" orient="horz" pos="2160">
+          <p15:clr>
+            <a:srgbClr val="A4A3A4"/>
+          </p15:clr>
+        </p15:guide>
+        <p15:guide id="2" pos="2880">
+          <p15:clr>
+            <a:srgbClr val="A4A3A4"/>
+          </p15:clr>
+        </p15:guide>
+      </p15:sldGuideLst>
+    </p:ext>
+  </p:extLst>
 </p:presentation>
 </file>
 
+<file path=ppt/changesInfos/changesInfo1.xml><?xml version="1.0" encoding="utf-8"?>
+<pc:chgInfo xmlns:a="http://schemas.openxmlformats.org/drawingml/2006/main" xmlns:r="http://schemas.openxmlformats.org/officeDocument/2006/relationships" xmlns:ac="http://schemas.microsoft.com/office/drawing/2013/main/command" xmlns:pc="http://schemas.microsoft.com/office/powerpoint/2013/main/command">
+  <pc:docChgLst>
+    <pc:chgData name="Nick Kantack" userId="7925530f0edb4dcc" providerId="LiveId" clId="{740E0FF3-546F-4975-88FE-8322A8B9D6A0}"/>
+    <pc:docChg chg="modSld">
+      <pc:chgData name="Nick Kantack" userId="7925530f0edb4dcc" providerId="LiveId" clId="{740E0FF3-546F-4975-88FE-8322A8B9D6A0}" dt="2018-03-30T15:30:14.715" v="5" actId="1036"/>
+      <pc:docMkLst>
+        <pc:docMk/>
+      </pc:docMkLst>
+      <pc:sldChg chg="modSp">
+        <pc:chgData name="Nick Kantack" userId="7925530f0edb4dcc" providerId="LiveId" clId="{740E0FF3-546F-4975-88FE-8322A8B9D6A0}" dt="2018-03-30T15:30:14.715" v="5" actId="1036"/>
+        <pc:sldMkLst>
+          <pc:docMk/>
+          <pc:sldMk cId="1447481528" sldId="259"/>
+        </pc:sldMkLst>
+        <pc:cxnChg chg="mod">
+          <ac:chgData name="Nick Kantack" userId="7925530f0edb4dcc" providerId="LiveId" clId="{740E0FF3-546F-4975-88FE-8322A8B9D6A0}" dt="2018-03-30T15:30:14.715" v="5" actId="1036"/>
+          <ac:cxnSpMkLst>
+            <pc:docMk/>
+            <pc:sldMk cId="1447481528" sldId="259"/>
+            <ac:cxnSpMk id="22" creationId="{00000000-0000-0000-0000-000000000000}"/>
+          </ac:cxnSpMkLst>
+        </pc:cxnChg>
+      </pc:sldChg>
+      <pc:sldChg chg="modSp">
+        <pc:chgData name="Nick Kantack" userId="7925530f0edb4dcc" providerId="LiveId" clId="{740E0FF3-546F-4975-88FE-8322A8B9D6A0}" dt="2018-03-30T15:29:49.789" v="4" actId="20577"/>
+        <pc:sldMkLst>
+          <pc:docMk/>
+          <pc:sldMk cId="1619391346" sldId="287"/>
+        </pc:sldMkLst>
+        <pc:graphicFrameChg chg="mod">
+          <ac:chgData name="Nick Kantack" userId="7925530f0edb4dcc" providerId="LiveId" clId="{740E0FF3-546F-4975-88FE-8322A8B9D6A0}" dt="2018-03-30T15:29:49.789" v="4" actId="20577"/>
+          <ac:graphicFrameMkLst>
+            <pc:docMk/>
+            <pc:sldMk cId="1619391346" sldId="287"/>
+            <ac:graphicFrameMk id="4" creationId="{00000000-0000-0000-0000-000000000000}"/>
+          </ac:graphicFrameMkLst>
+        </pc:graphicFrameChg>
+      </pc:sldChg>
+    </pc:docChg>
+  </pc:docChgLst>
+</pc:chgInfo>
+</file>
+
 <file path=ppt/charts/chart1.xml><?xml version="1.0" encoding="utf-8"?>
-<c:chartSpace xmlns:c="http://schemas.openxmlformats.org/drawingml/2006/chart" xmlns:a="http://schemas.openxmlformats.org/drawingml/2006/main" xmlns:r="http://schemas.openxmlformats.org/officeDocument/2006/relationships">
+<c:chartSpace xmlns:c="http://schemas.openxmlformats.org/drawingml/2006/chart" xmlns:a="http://schemas.openxmlformats.org/drawingml/2006/main" xmlns:r="http://schemas.openxmlformats.org/officeDocument/2006/relationships" xmlns:c16r2="http://schemas.microsoft.com/office/drawing/2015/06/chart">
   <c:date1904 val="0"/>
   <c:lang val="en-US"/>
   <c:roundedCorners val="0"/>
@@ -153,7 +213,7 @@
               <a:t> of </a:t>
             </a:r>
             <a:r>
-              <a:rPr lang="en-US" baseline="0" dirty="0" smtClean="0">
+              <a:rPr lang="en-US" baseline="0" dirty="0">
                 <a:solidFill>
                   <a:srgbClr val="FFC000"/>
                 </a:solidFill>
@@ -161,7 +221,7 @@
               <a:t>Silicon device </a:t>
             </a:r>
             <a:r>
-              <a:rPr lang="en-US" baseline="0" dirty="0" smtClean="0">
+              <a:rPr lang="en-US" baseline="0" dirty="0">
                 <a:solidFill>
                   <a:schemeClr val="tx1"/>
                 </a:solidFill>
@@ -169,7 +229,7 @@
               <a:t>vs. </a:t>
             </a:r>
             <a:r>
-              <a:rPr lang="en-US" baseline="0" dirty="0" smtClean="0">
+              <a:rPr lang="en-US" baseline="0" dirty="0">
                 <a:solidFill>
                   <a:schemeClr val="accent6">
                     <a:lumMod val="75000"/>
@@ -186,7 +246,6 @@
           </a:p>
         </c:rich>
       </c:tx>
-      <c:layout/>
       <c:overlay val="0"/>
     </c:title>
     <c:autoTitleDeleted val="0"/>
@@ -1140,6 +1199,11 @@
             </c:numRef>
           </c:yVal>
           <c:smooth val="0"/>
+          <c:extLst>
+            <c:ext xmlns:c16="http://schemas.microsoft.com/office/drawing/2014/chart" uri="{C3380CC4-5D6E-409C-BE32-E72D297353CC}">
+              <c16:uniqueId val="{00000000-A371-4BA5-ACCB-5CAFB4AEFBF2}"/>
+            </c:ext>
+          </c:extLst>
         </c:ser>
         <c:ser>
           <c:idx val="2"/>
@@ -2086,6 +2150,11 @@
             </c:numRef>
           </c:yVal>
           <c:smooth val="0"/>
+          <c:extLst>
+            <c:ext xmlns:c16="http://schemas.microsoft.com/office/drawing/2014/chart" uri="{C3380CC4-5D6E-409C-BE32-E72D297353CC}">
+              <c16:uniqueId val="{00000001-A371-4BA5-ACCB-5CAFB4AEFBF2}"/>
+            </c:ext>
+          </c:extLst>
         </c:ser>
         <c:dLbls>
           <c:showLegendKey val="0"/>
@@ -2116,13 +2185,12 @@
                   <a:defRPr/>
                 </a:pPr>
                 <a:r>
-                  <a:rPr lang="en-US"/>
-                  <a:t>Wavelength</a:t>
+                  <a:rPr lang="en-US" dirty="0"/>
+                  <a:t>Wavelength (nm)</a:t>
                 </a:r>
               </a:p>
             </c:rich>
           </c:tx>
-          <c:layout/>
           <c:overlay val="0"/>
         </c:title>
         <c:numFmt formatCode="0" sourceLinked="0"/>
@@ -2162,7 +2230,6 @@
               </a:p>
             </c:rich>
           </c:tx>
-          <c:layout/>
           <c:overlay val="0"/>
         </c:title>
         <c:numFmt formatCode="0%" sourceLinked="0"/>
@@ -2185,7 +2252,7 @@
 </file>
 
 <file path=ppt/charts/chart2.xml><?xml version="1.0" encoding="utf-8"?>
-<c:chartSpace xmlns:c="http://schemas.openxmlformats.org/drawingml/2006/chart" xmlns:a="http://schemas.openxmlformats.org/drawingml/2006/main" xmlns:r="http://schemas.openxmlformats.org/officeDocument/2006/relationships">
+<c:chartSpace xmlns:c="http://schemas.openxmlformats.org/drawingml/2006/chart" xmlns:a="http://schemas.openxmlformats.org/drawingml/2006/main" xmlns:r="http://schemas.openxmlformats.org/officeDocument/2006/relationships" xmlns:c16r2="http://schemas.microsoft.com/office/drawing/2015/06/chart">
   <c:date1904 val="0"/>
   <c:lang val="en-US"/>
   <c:roundedCorners val="0"/>
@@ -2208,19 +2275,15 @@
               <a:defRPr/>
             </a:pPr>
             <a:r>
-              <a:rPr lang="en-US" baseline="0" dirty="0" smtClean="0"/>
-              <a:t>Thermal </a:t>
+              <a:rPr lang="en-US" baseline="0" dirty="0"/>
+              <a:t>Thermal Oxide Treated </a:t>
+            </a:r>
+            <a:r>
+              <a:rPr lang="en-US" baseline="0" dirty="0" err="1"/>
+              <a:t>PoSi</a:t>
             </a:r>
             <a:r>
               <a:rPr lang="en-US" baseline="0" dirty="0"/>
-              <a:t>Oxide Treated </a:t>
-            </a:r>
-            <a:r>
-              <a:rPr lang="en-US" baseline="0" dirty="0" err="1" smtClean="0"/>
-              <a:t>PoSi</a:t>
-            </a:r>
-            <a:r>
-              <a:rPr lang="en-US" baseline="0" dirty="0" smtClean="0"/>
               <a:t> </a:t>
             </a:r>
             <a:r>
@@ -2229,21 +2292,12 @@
             </a:r>
             <a:r>
               <a:rPr lang="en-US" baseline="0" dirty="0"/>
-              <a:t> </a:t>
-            </a:r>
-            <a:r>
-              <a:rPr lang="en-US" baseline="0" dirty="0" smtClean="0"/>
-              <a:t>IV </a:t>
-            </a:r>
-            <a:r>
-              <a:rPr lang="en-US" baseline="0" dirty="0"/>
-              <a:t>at Various Temperatures</a:t>
+              <a:t> IV at Various Temperatures</a:t>
             </a:r>
             <a:endParaRPr lang="en-US" dirty="0"/>
           </a:p>
         </c:rich>
       </c:tx>
-      <c:layout/>
       <c:overlay val="0"/>
     </c:title>
     <c:autoTitleDeleted val="0"/>
@@ -2498,6 +2552,11 @@
             </c:numRef>
           </c:yVal>
           <c:smooth val="0"/>
+          <c:extLst>
+            <c:ext xmlns:c16="http://schemas.microsoft.com/office/drawing/2014/chart" uri="{C3380CC4-5D6E-409C-BE32-E72D297353CC}">
+              <c16:uniqueId val="{00000000-3C2A-4DF2-A0EB-3FF88D9FD90B}"/>
+            </c:ext>
+          </c:extLst>
         </c:ser>
         <c:ser>
           <c:idx val="1"/>
@@ -2735,6 +2794,11 @@
             </c:numRef>
           </c:yVal>
           <c:smooth val="0"/>
+          <c:extLst>
+            <c:ext xmlns:c16="http://schemas.microsoft.com/office/drawing/2014/chart" uri="{C3380CC4-5D6E-409C-BE32-E72D297353CC}">
+              <c16:uniqueId val="{00000001-3C2A-4DF2-A0EB-3FF88D9FD90B}"/>
+            </c:ext>
+          </c:extLst>
         </c:ser>
         <c:ser>
           <c:idx val="2"/>
@@ -2972,6 +3036,11 @@
             </c:numRef>
           </c:yVal>
           <c:smooth val="0"/>
+          <c:extLst>
+            <c:ext xmlns:c16="http://schemas.microsoft.com/office/drawing/2014/chart" uri="{C3380CC4-5D6E-409C-BE32-E72D297353CC}">
+              <c16:uniqueId val="{00000002-3C2A-4DF2-A0EB-3FF88D9FD90B}"/>
+            </c:ext>
+          </c:extLst>
         </c:ser>
         <c:ser>
           <c:idx val="3"/>
@@ -3209,6 +3278,11 @@
             </c:numRef>
           </c:yVal>
           <c:smooth val="0"/>
+          <c:extLst>
+            <c:ext xmlns:c16="http://schemas.microsoft.com/office/drawing/2014/chart" uri="{C3380CC4-5D6E-409C-BE32-E72D297353CC}">
+              <c16:uniqueId val="{00000003-3C2A-4DF2-A0EB-3FF88D9FD90B}"/>
+            </c:ext>
+          </c:extLst>
         </c:ser>
         <c:ser>
           <c:idx val="4"/>
@@ -3446,6 +3520,11 @@
             </c:numRef>
           </c:yVal>
           <c:smooth val="0"/>
+          <c:extLst>
+            <c:ext xmlns:c16="http://schemas.microsoft.com/office/drawing/2014/chart" uri="{C3380CC4-5D6E-409C-BE32-E72D297353CC}">
+              <c16:uniqueId val="{00000004-3C2A-4DF2-A0EB-3FF88D9FD90B}"/>
+            </c:ext>
+          </c:extLst>
         </c:ser>
         <c:ser>
           <c:idx val="5"/>
@@ -3683,6 +3762,11 @@
             </c:numRef>
           </c:yVal>
           <c:smooth val="0"/>
+          <c:extLst>
+            <c:ext xmlns:c16="http://schemas.microsoft.com/office/drawing/2014/chart" uri="{C3380CC4-5D6E-409C-BE32-E72D297353CC}">
+              <c16:uniqueId val="{00000005-3C2A-4DF2-A0EB-3FF88D9FD90B}"/>
+            </c:ext>
+          </c:extLst>
         </c:ser>
         <c:ser>
           <c:idx val="6"/>
@@ -3920,6 +4004,11 @@
             </c:numRef>
           </c:yVal>
           <c:smooth val="0"/>
+          <c:extLst>
+            <c:ext xmlns:c16="http://schemas.microsoft.com/office/drawing/2014/chart" uri="{C3380CC4-5D6E-409C-BE32-E72D297353CC}">
+              <c16:uniqueId val="{00000006-3C2A-4DF2-A0EB-3FF88D9FD90B}"/>
+            </c:ext>
+          </c:extLst>
         </c:ser>
         <c:ser>
           <c:idx val="7"/>
@@ -4157,6 +4246,11 @@
             </c:numRef>
           </c:yVal>
           <c:smooth val="0"/>
+          <c:extLst>
+            <c:ext xmlns:c16="http://schemas.microsoft.com/office/drawing/2014/chart" uri="{C3380CC4-5D6E-409C-BE32-E72D297353CC}">
+              <c16:uniqueId val="{00000007-3C2A-4DF2-A0EB-3FF88D9FD90B}"/>
+            </c:ext>
+          </c:extLst>
         </c:ser>
         <c:ser>
           <c:idx val="8"/>
@@ -4394,6 +4488,11 @@
             </c:numRef>
           </c:yVal>
           <c:smooth val="0"/>
+          <c:extLst>
+            <c:ext xmlns:c16="http://schemas.microsoft.com/office/drawing/2014/chart" uri="{C3380CC4-5D6E-409C-BE32-E72D297353CC}">
+              <c16:uniqueId val="{00000008-3C2A-4DF2-A0EB-3FF88D9FD90B}"/>
+            </c:ext>
+          </c:extLst>
         </c:ser>
         <c:ser>
           <c:idx val="9"/>
@@ -4631,6 +4730,11 @@
             </c:numRef>
           </c:yVal>
           <c:smooth val="0"/>
+          <c:extLst>
+            <c:ext xmlns:c16="http://schemas.microsoft.com/office/drawing/2014/chart" uri="{C3380CC4-5D6E-409C-BE32-E72D297353CC}">
+              <c16:uniqueId val="{00000009-3C2A-4DF2-A0EB-3FF88D9FD90B}"/>
+            </c:ext>
+          </c:extLst>
         </c:ser>
         <c:ser>
           <c:idx val="10"/>
@@ -4868,6 +4972,11 @@
             </c:numRef>
           </c:yVal>
           <c:smooth val="0"/>
+          <c:extLst>
+            <c:ext xmlns:c16="http://schemas.microsoft.com/office/drawing/2014/chart" uri="{C3380CC4-5D6E-409C-BE32-E72D297353CC}">
+              <c16:uniqueId val="{0000000A-3C2A-4DF2-A0EB-3FF88D9FD90B}"/>
+            </c:ext>
+          </c:extLst>
         </c:ser>
         <c:ser>
           <c:idx val="11"/>
@@ -5105,6 +5214,11 @@
             </c:numRef>
           </c:yVal>
           <c:smooth val="0"/>
+          <c:extLst>
+            <c:ext xmlns:c16="http://schemas.microsoft.com/office/drawing/2014/chart" uri="{C3380CC4-5D6E-409C-BE32-E72D297353CC}">
+              <c16:uniqueId val="{0000000B-3C2A-4DF2-A0EB-3FF88D9FD90B}"/>
+            </c:ext>
+          </c:extLst>
         </c:ser>
         <c:ser>
           <c:idx val="12"/>
@@ -5342,6 +5456,11 @@
             </c:numRef>
           </c:yVal>
           <c:smooth val="0"/>
+          <c:extLst>
+            <c:ext xmlns:c16="http://schemas.microsoft.com/office/drawing/2014/chart" uri="{C3380CC4-5D6E-409C-BE32-E72D297353CC}">
+              <c16:uniqueId val="{0000000C-3C2A-4DF2-A0EB-3FF88D9FD90B}"/>
+            </c:ext>
+          </c:extLst>
         </c:ser>
         <c:ser>
           <c:idx val="13"/>
@@ -5579,6 +5698,11 @@
             </c:numRef>
           </c:yVal>
           <c:smooth val="0"/>
+          <c:extLst>
+            <c:ext xmlns:c16="http://schemas.microsoft.com/office/drawing/2014/chart" uri="{C3380CC4-5D6E-409C-BE32-E72D297353CC}">
+              <c16:uniqueId val="{0000000D-3C2A-4DF2-A0EB-3FF88D9FD90B}"/>
+            </c:ext>
+          </c:extLst>
         </c:ser>
         <c:ser>
           <c:idx val="14"/>
@@ -5816,6 +5940,11 @@
             </c:numRef>
           </c:yVal>
           <c:smooth val="0"/>
+          <c:extLst>
+            <c:ext xmlns:c16="http://schemas.microsoft.com/office/drawing/2014/chart" uri="{C3380CC4-5D6E-409C-BE32-E72D297353CC}">
+              <c16:uniqueId val="{0000000E-3C2A-4DF2-A0EB-3FF88D9FD90B}"/>
+            </c:ext>
+          </c:extLst>
         </c:ser>
         <c:ser>
           <c:idx val="15"/>
@@ -6053,6 +6182,11 @@
             </c:numRef>
           </c:yVal>
           <c:smooth val="0"/>
+          <c:extLst>
+            <c:ext xmlns:c16="http://schemas.microsoft.com/office/drawing/2014/chart" uri="{C3380CC4-5D6E-409C-BE32-E72D297353CC}">
+              <c16:uniqueId val="{0000000F-3C2A-4DF2-A0EB-3FF88D9FD90B}"/>
+            </c:ext>
+          </c:extLst>
         </c:ser>
         <c:ser>
           <c:idx val="16"/>
@@ -6290,6 +6424,11 @@
             </c:numRef>
           </c:yVal>
           <c:smooth val="0"/>
+          <c:extLst>
+            <c:ext xmlns:c16="http://schemas.microsoft.com/office/drawing/2014/chart" uri="{C3380CC4-5D6E-409C-BE32-E72D297353CC}">
+              <c16:uniqueId val="{00000010-3C2A-4DF2-A0EB-3FF88D9FD90B}"/>
+            </c:ext>
+          </c:extLst>
         </c:ser>
         <c:ser>
           <c:idx val="17"/>
@@ -6527,6 +6666,11 @@
             </c:numRef>
           </c:yVal>
           <c:smooth val="0"/>
+          <c:extLst>
+            <c:ext xmlns:c16="http://schemas.microsoft.com/office/drawing/2014/chart" uri="{C3380CC4-5D6E-409C-BE32-E72D297353CC}">
+              <c16:uniqueId val="{00000011-3C2A-4DF2-A0EB-3FF88D9FD90B}"/>
+            </c:ext>
+          </c:extLst>
         </c:ser>
         <c:ser>
           <c:idx val="18"/>
@@ -6764,6 +6908,11 @@
             </c:numRef>
           </c:yVal>
           <c:smooth val="0"/>
+          <c:extLst>
+            <c:ext xmlns:c16="http://schemas.microsoft.com/office/drawing/2014/chart" uri="{C3380CC4-5D6E-409C-BE32-E72D297353CC}">
+              <c16:uniqueId val="{00000012-3C2A-4DF2-A0EB-3FF88D9FD90B}"/>
+            </c:ext>
+          </c:extLst>
         </c:ser>
         <c:ser>
           <c:idx val="19"/>
@@ -7001,6 +7150,11 @@
             </c:numRef>
           </c:yVal>
           <c:smooth val="0"/>
+          <c:extLst>
+            <c:ext xmlns:c16="http://schemas.microsoft.com/office/drawing/2014/chart" uri="{C3380CC4-5D6E-409C-BE32-E72D297353CC}">
+              <c16:uniqueId val="{00000013-3C2A-4DF2-A0EB-3FF88D9FD90B}"/>
+            </c:ext>
+          </c:extLst>
         </c:ser>
         <c:ser>
           <c:idx val="20"/>
@@ -7238,6 +7392,11 @@
             </c:numRef>
           </c:yVal>
           <c:smooth val="0"/>
+          <c:extLst>
+            <c:ext xmlns:c16="http://schemas.microsoft.com/office/drawing/2014/chart" uri="{C3380CC4-5D6E-409C-BE32-E72D297353CC}">
+              <c16:uniqueId val="{00000014-3C2A-4DF2-A0EB-3FF88D9FD90B}"/>
+            </c:ext>
+          </c:extLst>
         </c:ser>
         <c:ser>
           <c:idx val="21"/>
@@ -7475,6 +7634,11 @@
             </c:numRef>
           </c:yVal>
           <c:smooth val="0"/>
+          <c:extLst>
+            <c:ext xmlns:c16="http://schemas.microsoft.com/office/drawing/2014/chart" uri="{C3380CC4-5D6E-409C-BE32-E72D297353CC}">
+              <c16:uniqueId val="{00000015-3C2A-4DF2-A0EB-3FF88D9FD90B}"/>
+            </c:ext>
+          </c:extLst>
         </c:ser>
         <c:ser>
           <c:idx val="22"/>
@@ -7712,6 +7876,11 @@
             </c:numRef>
           </c:yVal>
           <c:smooth val="0"/>
+          <c:extLst>
+            <c:ext xmlns:c16="http://schemas.microsoft.com/office/drawing/2014/chart" uri="{C3380CC4-5D6E-409C-BE32-E72D297353CC}">
+              <c16:uniqueId val="{00000016-3C2A-4DF2-A0EB-3FF88D9FD90B}"/>
+            </c:ext>
+          </c:extLst>
         </c:ser>
         <c:ser>
           <c:idx val="23"/>
@@ -7949,6 +8118,11 @@
             </c:numRef>
           </c:yVal>
           <c:smooth val="0"/>
+          <c:extLst>
+            <c:ext xmlns:c16="http://schemas.microsoft.com/office/drawing/2014/chart" uri="{C3380CC4-5D6E-409C-BE32-E72D297353CC}">
+              <c16:uniqueId val="{00000017-3C2A-4DF2-A0EB-3FF88D9FD90B}"/>
+            </c:ext>
+          </c:extLst>
         </c:ser>
         <c:ser>
           <c:idx val="24"/>
@@ -8186,6 +8360,11 @@
             </c:numRef>
           </c:yVal>
           <c:smooth val="0"/>
+          <c:extLst>
+            <c:ext xmlns:c16="http://schemas.microsoft.com/office/drawing/2014/chart" uri="{C3380CC4-5D6E-409C-BE32-E72D297353CC}">
+              <c16:uniqueId val="{00000018-3C2A-4DF2-A0EB-3FF88D9FD90B}"/>
+            </c:ext>
+          </c:extLst>
         </c:ser>
         <c:ser>
           <c:idx val="25"/>
@@ -8423,6 +8602,11 @@
             </c:numRef>
           </c:yVal>
           <c:smooth val="0"/>
+          <c:extLst>
+            <c:ext xmlns:c16="http://schemas.microsoft.com/office/drawing/2014/chart" uri="{C3380CC4-5D6E-409C-BE32-E72D297353CC}">
+              <c16:uniqueId val="{00000019-3C2A-4DF2-A0EB-3FF88D9FD90B}"/>
+            </c:ext>
+          </c:extLst>
         </c:ser>
         <c:ser>
           <c:idx val="26"/>
@@ -8660,6 +8844,11 @@
             </c:numRef>
           </c:yVal>
           <c:smooth val="0"/>
+          <c:extLst>
+            <c:ext xmlns:c16="http://schemas.microsoft.com/office/drawing/2014/chart" uri="{C3380CC4-5D6E-409C-BE32-E72D297353CC}">
+              <c16:uniqueId val="{0000001A-3C2A-4DF2-A0EB-3FF88D9FD90B}"/>
+            </c:ext>
+          </c:extLst>
         </c:ser>
         <c:ser>
           <c:idx val="27"/>
@@ -8897,6 +9086,11 @@
             </c:numRef>
           </c:yVal>
           <c:smooth val="0"/>
+          <c:extLst>
+            <c:ext xmlns:c16="http://schemas.microsoft.com/office/drawing/2014/chart" uri="{C3380CC4-5D6E-409C-BE32-E72D297353CC}">
+              <c16:uniqueId val="{0000001B-3C2A-4DF2-A0EB-3FF88D9FD90B}"/>
+            </c:ext>
+          </c:extLst>
         </c:ser>
         <c:ser>
           <c:idx val="28"/>
@@ -9125,6 +9319,11 @@
             </c:numRef>
           </c:yVal>
           <c:smooth val="0"/>
+          <c:extLst>
+            <c:ext xmlns:c16="http://schemas.microsoft.com/office/drawing/2014/chart" uri="{C3380CC4-5D6E-409C-BE32-E72D297353CC}">
+              <c16:uniqueId val="{0000001C-3C2A-4DF2-A0EB-3FF88D9FD90B}"/>
+            </c:ext>
+          </c:extLst>
         </c:ser>
         <c:dLbls>
           <c:showLegendKey val="0"/>
@@ -9206,7 +9405,6 @@
               </a:p>
             </c:rich>
           </c:tx>
-          <c:layout/>
           <c:overlay val="0"/>
         </c:title>
         <c:numFmt formatCode="General" sourceLinked="1"/>
@@ -9243,7 +9441,7 @@
 </file>
 
 <file path=ppt/charts/chart3.xml><?xml version="1.0" encoding="utf-8"?>
-<c:chartSpace xmlns:c="http://schemas.openxmlformats.org/drawingml/2006/chart" xmlns:a="http://schemas.openxmlformats.org/drawingml/2006/main" xmlns:r="http://schemas.openxmlformats.org/officeDocument/2006/relationships">
+<c:chartSpace xmlns:c="http://schemas.openxmlformats.org/drawingml/2006/chart" xmlns:a="http://schemas.openxmlformats.org/drawingml/2006/main" xmlns:r="http://schemas.openxmlformats.org/officeDocument/2006/relationships" xmlns:c16r2="http://schemas.microsoft.com/office/drawing/2015/06/chart">
   <c:date1904 val="0"/>
   <c:lang val="en-US"/>
   <c:roundedCorners val="0"/>
@@ -9277,7 +9475,6 @@
           </a:p>
         </c:rich>
       </c:tx>
-      <c:layout/>
       <c:overlay val="0"/>
     </c:title>
     <c:autoTitleDeleted val="0"/>
@@ -9487,6 +9684,11 @@
             </c:numRef>
           </c:yVal>
           <c:smooth val="0"/>
+          <c:extLst>
+            <c:ext xmlns:c16="http://schemas.microsoft.com/office/drawing/2014/chart" uri="{C3380CC4-5D6E-409C-BE32-E72D297353CC}">
+              <c16:uniqueId val="{00000000-9FA6-4EE7-A2F8-CAC4139DE8B9}"/>
+            </c:ext>
+          </c:extLst>
         </c:ser>
         <c:ser>
           <c:idx val="1"/>
@@ -9680,6 +9882,11 @@
             </c:numRef>
           </c:yVal>
           <c:smooth val="0"/>
+          <c:extLst>
+            <c:ext xmlns:c16="http://schemas.microsoft.com/office/drawing/2014/chart" uri="{C3380CC4-5D6E-409C-BE32-E72D297353CC}">
+              <c16:uniqueId val="{00000001-9FA6-4EE7-A2F8-CAC4139DE8B9}"/>
+            </c:ext>
+          </c:extLst>
         </c:ser>
         <c:dLbls>
           <c:showLegendKey val="0"/>
@@ -9715,7 +9922,6 @@
               </a:p>
             </c:rich>
           </c:tx>
-          <c:layout/>
           <c:overlay val="0"/>
         </c:title>
         <c:numFmt formatCode="General" sourceLinked="1"/>
@@ -9751,7 +9957,6 @@
               </a:p>
             </c:rich>
           </c:tx>
-          <c:layout/>
           <c:overlay val="0"/>
         </c:title>
         <c:numFmt formatCode="General" sourceLinked="0"/>
@@ -9765,7 +9970,6 @@
     </c:plotArea>
     <c:legend>
       <c:legendPos val="r"/>
-      <c:layout/>
       <c:overlay val="0"/>
     </c:legend>
     <c:plotVisOnly val="1"/>
@@ -9792,7 +9996,13 @@
     </cdr:to>
     <cdr:cxnSp macro="">
       <cdr:nvCxnSpPr>
-        <cdr:cNvPr id="2" name="Straight Arrow Connector 1"/>
+        <cdr:cNvPr id="2" name="Straight Arrow Connector 1">
+          <a:extLst xmlns:a="http://schemas.openxmlformats.org/drawingml/2006/main">
+            <a:ext uri="{FF2B5EF4-FFF2-40B4-BE49-F238E27FC236}">
+              <a16:creationId xmlns:a16="http://schemas.microsoft.com/office/drawing/2014/main" id="{3B159AB2-9688-4BB4-ADA7-2AF7D77E7822}"/>
+            </a:ext>
+          </a:extLst>
+        </cdr:cNvPr>
         <cdr:cNvCxnSpPr/>
       </cdr:nvCxnSpPr>
       <cdr:spPr>
@@ -9954,10 +10164,9 @@
         </a:lstStyle>
         <a:p xmlns:a="http://schemas.openxmlformats.org/drawingml/2006/main">
           <a:r>
-            <a:rPr lang="en-US" dirty="0" smtClean="0"/>
+            <a:rPr lang="en-US" dirty="0"/>
             <a:t>Offset possibly due to tunneling through depletion layer</a:t>
           </a:r>
-          <a:endParaRPr lang="en-US" dirty="0"/>
         </a:p>
       </cdr:txBody>
     </cdr:sp>
@@ -10025,9 +10234,7 @@
         </p:style>
         <p:txBody>
           <a:bodyPr rtlCol="0" anchor="ctr"/>
-          <a:lstStyle>
-            <a:extLst/>
-          </a:lstStyle>
+          <a:lstStyle/>
           <a:p>
             <a:pPr algn="ctr" eaLnBrk="1" latinLnBrk="0" hangingPunct="1"/>
             <a:endParaRPr kumimoji="0" lang="en-US"/>
@@ -10071,10 +10278,9 @@
           </a:lstStyle>
           <a:p>
             <a:r>
-              <a:rPr kumimoji="0" lang="en-US" smtClean="0"/>
+              <a:rPr kumimoji="0" lang="en-US"/>
               <a:t>Click to edit Master title style</a:t>
             </a:r>
-            <a:endParaRPr kumimoji="0" lang="en-US"/>
           </a:p>
         </p:txBody>
       </p:sp>
@@ -10189,10 +10395,9 @@
           </a:lstStyle>
           <a:p>
             <a:r>
-              <a:rPr kumimoji="0" lang="en-US" smtClean="0"/>
+              <a:rPr kumimoji="0" lang="en-US"/>
               <a:t>Click to edit Master subtitle style</a:t>
             </a:r>
-            <a:endParaRPr kumimoji="0" lang="en-US"/>
           </a:p>
         </p:txBody>
       </p:sp>
@@ -10213,7 +10418,7 @@
           <a:p>
             <a:fld id="{BE8AED73-B6AA-44B7-9A24-11D2492CDD4E}" type="datetimeFigureOut">
               <a:rPr lang="en-US" smtClean="0"/>
-              <a:t>4/16/2016</a:t>
+              <a:t>3/30/2018</a:t>
             </a:fld>
             <a:endParaRPr lang="en-US"/>
           </a:p>
@@ -10306,9 +10511,7 @@
         </p:style>
         <p:txBody>
           <a:bodyPr rtlCol="0" anchor="ctr"/>
-          <a:lstStyle>
-            <a:extLst/>
-          </a:lstStyle>
+          <a:lstStyle/>
           <a:p>
             <a:pPr algn="ctr" eaLnBrk="1" latinLnBrk="0" hangingPunct="1"/>
             <a:endParaRPr kumimoji="0" lang="en-US"/>
@@ -10353,15 +10556,12 @@
         <p:spPr/>
         <p:txBody>
           <a:bodyPr/>
-          <a:lstStyle>
-            <a:extLst/>
-          </a:lstStyle>
+          <a:lstStyle/>
           <a:p>
             <a:r>
-              <a:rPr kumimoji="0" lang="en-US" smtClean="0"/>
+              <a:rPr kumimoji="0" lang="en-US"/>
               <a:t>Click to edit Master title style</a:t>
             </a:r>
-            <a:endParaRPr kumimoji="0" lang="en-US"/>
           </a:p>
         </p:txBody>
       </p:sp>
@@ -10378,41 +10578,39 @@
         <p:spPr/>
         <p:txBody>
           <a:bodyPr vert="eaVert"/>
-          <a:lstStyle>
-            <a:extLst/>
-          </a:lstStyle>
+          <a:lstStyle/>
           <a:p>
             <a:pPr lvl="0" eaLnBrk="1" latinLnBrk="0" hangingPunct="1"/>
             <a:r>
-              <a:rPr lang="en-US" smtClean="0"/>
+              <a:rPr lang="en-US"/>
               <a:t>Click to edit Master text styles</a:t>
             </a:r>
           </a:p>
           <a:p>
             <a:pPr lvl="1" eaLnBrk="1" latinLnBrk="0" hangingPunct="1"/>
             <a:r>
-              <a:rPr lang="en-US" smtClean="0"/>
+              <a:rPr lang="en-US"/>
               <a:t>Second level</a:t>
             </a:r>
           </a:p>
           <a:p>
             <a:pPr lvl="2" eaLnBrk="1" latinLnBrk="0" hangingPunct="1"/>
             <a:r>
-              <a:rPr lang="en-US" smtClean="0"/>
+              <a:rPr lang="en-US"/>
               <a:t>Third level</a:t>
             </a:r>
           </a:p>
           <a:p>
             <a:pPr lvl="3" eaLnBrk="1" latinLnBrk="0" hangingPunct="1"/>
             <a:r>
-              <a:rPr lang="en-US" smtClean="0"/>
+              <a:rPr lang="en-US"/>
               <a:t>Fourth level</a:t>
             </a:r>
           </a:p>
           <a:p>
             <a:pPr lvl="4" eaLnBrk="1" latinLnBrk="0" hangingPunct="1"/>
             <a:r>
-              <a:rPr lang="en-US" smtClean="0"/>
+              <a:rPr lang="en-US"/>
               <a:t>Fifth level</a:t>
             </a:r>
             <a:endParaRPr kumimoji="0" lang="en-US"/>
@@ -10436,7 +10634,7 @@
           <a:p>
             <a:fld id="{BE8AED73-B6AA-44B7-9A24-11D2492CDD4E}" type="datetimeFigureOut">
               <a:rPr lang="en-US" smtClean="0"/>
-              <a:t>4/16/2016</a:t>
+              <a:t>3/30/2018</a:t>
             </a:fld>
             <a:endParaRPr lang="en-US"/>
           </a:p>
@@ -10554,9 +10752,7 @@
         </p:style>
         <p:txBody>
           <a:bodyPr rtlCol="0" anchor="ctr"/>
-          <a:lstStyle>
-            <a:extLst/>
-          </a:lstStyle>
+          <a:lstStyle/>
           <a:p>
             <a:pPr algn="ctr" eaLnBrk="1" latinLnBrk="0" hangingPunct="1"/>
             <a:endParaRPr kumimoji="0" lang="en-US"/>
@@ -10601,9 +10797,7 @@
         </p:style>
         <p:txBody>
           <a:bodyPr rtlCol="0" anchor="ctr"/>
-          <a:lstStyle>
-            <a:extLst/>
-          </a:lstStyle>
+          <a:lstStyle/>
           <a:p>
             <a:pPr algn="ctr" eaLnBrk="1" latinLnBrk="0" hangingPunct="1"/>
             <a:endParaRPr kumimoji="0" lang="en-US"/>
@@ -10628,15 +10822,12 @@
         </p:spPr>
         <p:txBody>
           <a:bodyPr vert="eaVert"/>
-          <a:lstStyle>
-            <a:extLst/>
-          </a:lstStyle>
+          <a:lstStyle/>
           <a:p>
             <a:r>
-              <a:rPr kumimoji="0" lang="en-US" smtClean="0"/>
+              <a:rPr kumimoji="0" lang="en-US"/>
               <a:t>Click to edit Master title style</a:t>
             </a:r>
-            <a:endParaRPr kumimoji="0" lang="en-US"/>
           </a:p>
         </p:txBody>
       </p:sp>
@@ -10658,41 +10849,39 @@
         </p:spPr>
         <p:txBody>
           <a:bodyPr vert="eaVert"/>
-          <a:lstStyle>
-            <a:extLst/>
-          </a:lstStyle>
+          <a:lstStyle/>
           <a:p>
             <a:pPr lvl="0" eaLnBrk="1" latinLnBrk="0" hangingPunct="1"/>
             <a:r>
-              <a:rPr lang="en-US" smtClean="0"/>
+              <a:rPr lang="en-US"/>
               <a:t>Click to edit Master text styles</a:t>
             </a:r>
           </a:p>
           <a:p>
             <a:pPr lvl="1" eaLnBrk="1" latinLnBrk="0" hangingPunct="1"/>
             <a:r>
-              <a:rPr lang="en-US" smtClean="0"/>
+              <a:rPr lang="en-US"/>
               <a:t>Second level</a:t>
             </a:r>
           </a:p>
           <a:p>
             <a:pPr lvl="2" eaLnBrk="1" latinLnBrk="0" hangingPunct="1"/>
             <a:r>
-              <a:rPr lang="en-US" smtClean="0"/>
+              <a:rPr lang="en-US"/>
               <a:t>Third level</a:t>
             </a:r>
           </a:p>
           <a:p>
             <a:pPr lvl="3" eaLnBrk="1" latinLnBrk="0" hangingPunct="1"/>
             <a:r>
-              <a:rPr lang="en-US" smtClean="0"/>
+              <a:rPr lang="en-US"/>
               <a:t>Fourth level</a:t>
             </a:r>
           </a:p>
           <a:p>
             <a:pPr lvl="4" eaLnBrk="1" latinLnBrk="0" hangingPunct="1"/>
             <a:r>
-              <a:rPr lang="en-US" smtClean="0"/>
+              <a:rPr lang="en-US"/>
               <a:t>Fifth level</a:t>
             </a:r>
             <a:endParaRPr kumimoji="0" lang="en-US"/>
@@ -10716,7 +10905,7 @@
           <a:p>
             <a:fld id="{BE8AED73-B6AA-44B7-9A24-11D2492CDD4E}" type="datetimeFigureOut">
               <a:rPr lang="en-US" smtClean="0"/>
-              <a:t>4/16/2016</a:t>
+              <a:t>3/30/2018</a:t>
             </a:fld>
             <a:endParaRPr lang="en-US"/>
           </a:p>
@@ -10812,15 +11001,12 @@
         </p:spPr>
         <p:txBody>
           <a:bodyPr/>
-          <a:lstStyle>
-            <a:extLst/>
-          </a:lstStyle>
+          <a:lstStyle/>
           <a:p>
             <a:r>
-              <a:rPr kumimoji="0" lang="en-US" smtClean="0"/>
+              <a:rPr kumimoji="0" lang="en-US"/>
               <a:t>Click to edit Master title style</a:t>
             </a:r>
-            <a:endParaRPr kumimoji="0" lang="en-US"/>
           </a:p>
         </p:txBody>
       </p:sp>
@@ -10837,41 +11023,39 @@
         <p:spPr/>
         <p:txBody>
           <a:bodyPr/>
-          <a:lstStyle>
-            <a:extLst/>
-          </a:lstStyle>
+          <a:lstStyle/>
           <a:p>
             <a:pPr lvl="0" eaLnBrk="1" latinLnBrk="0" hangingPunct="1"/>
             <a:r>
-              <a:rPr lang="en-US" smtClean="0"/>
+              <a:rPr lang="en-US"/>
               <a:t>Click to edit Master text styles</a:t>
             </a:r>
           </a:p>
           <a:p>
             <a:pPr lvl="1" eaLnBrk="1" latinLnBrk="0" hangingPunct="1"/>
             <a:r>
-              <a:rPr lang="en-US" smtClean="0"/>
+              <a:rPr lang="en-US"/>
               <a:t>Second level</a:t>
             </a:r>
           </a:p>
           <a:p>
             <a:pPr lvl="2" eaLnBrk="1" latinLnBrk="0" hangingPunct="1"/>
             <a:r>
-              <a:rPr lang="en-US" smtClean="0"/>
+              <a:rPr lang="en-US"/>
               <a:t>Third level</a:t>
             </a:r>
           </a:p>
           <a:p>
             <a:pPr lvl="3" eaLnBrk="1" latinLnBrk="0" hangingPunct="1"/>
             <a:r>
-              <a:rPr lang="en-US" smtClean="0"/>
+              <a:rPr lang="en-US"/>
               <a:t>Fourth level</a:t>
             </a:r>
           </a:p>
           <a:p>
             <a:pPr lvl="4" eaLnBrk="1" latinLnBrk="0" hangingPunct="1"/>
             <a:r>
-              <a:rPr lang="en-US" smtClean="0"/>
+              <a:rPr lang="en-US"/>
               <a:t>Fifth level</a:t>
             </a:r>
             <a:endParaRPr kumimoji="0" lang="en-US"/>
@@ -10895,7 +11079,7 @@
           <a:p>
             <a:fld id="{BE8AED73-B6AA-44B7-9A24-11D2492CDD4E}" type="datetimeFigureOut">
               <a:rPr lang="en-US" smtClean="0"/>
-              <a:t>4/16/2016</a:t>
+              <a:t>3/30/2018</a:t>
             </a:fld>
             <a:endParaRPr lang="en-US"/>
           </a:p>
@@ -11011,9 +11195,7 @@
         </p:style>
         <p:txBody>
           <a:bodyPr rtlCol="0" anchor="ctr"/>
-          <a:lstStyle>
-            <a:extLst/>
-          </a:lstStyle>
+          <a:lstStyle/>
           <a:p>
             <a:pPr algn="ctr" eaLnBrk="1" latinLnBrk="0" hangingPunct="1"/>
             <a:endParaRPr kumimoji="0" lang="en-US"/>
@@ -11065,9 +11247,7 @@
         </p:style>
         <p:txBody>
           <a:bodyPr rtlCol="0" anchor="ctr"/>
-          <a:lstStyle>
-            <a:extLst/>
-          </a:lstStyle>
+          <a:lstStyle/>
           <a:p>
             <a:pPr algn="ctr" eaLnBrk="1" latinLnBrk="0" hangingPunct="1"/>
             <a:endParaRPr kumimoji="0" lang="en-US"/>
@@ -11111,10 +11291,9 @@
           </a:lstStyle>
           <a:p>
             <a:r>
-              <a:rPr kumimoji="0" lang="en-US" smtClean="0"/>
+              <a:rPr kumimoji="0" lang="en-US"/>
               <a:t>Click to edit Master title style</a:t>
             </a:r>
-            <a:endParaRPr kumimoji="0" lang="en-US"/>
           </a:p>
         </p:txBody>
       </p:sp>
@@ -11230,7 +11409,7 @@
           <a:p>
             <a:pPr lvl="0" eaLnBrk="1" latinLnBrk="0" hangingPunct="1"/>
             <a:r>
-              <a:rPr kumimoji="0" lang="en-US" smtClean="0"/>
+              <a:rPr kumimoji="0" lang="en-US"/>
               <a:t>Click to edit Master text styles</a:t>
             </a:r>
           </a:p>
@@ -11253,7 +11432,7 @@
           <a:p>
             <a:fld id="{BE8AED73-B6AA-44B7-9A24-11D2492CDD4E}" type="datetimeFigureOut">
               <a:rPr lang="en-US" smtClean="0"/>
-              <a:t>4/16/2016</a:t>
+              <a:t>3/30/2018</a:t>
             </a:fld>
             <a:endParaRPr lang="en-US"/>
           </a:p>
@@ -11339,15 +11518,12 @@
         <p:spPr/>
         <p:txBody>
           <a:bodyPr/>
-          <a:lstStyle>
-            <a:extLst/>
-          </a:lstStyle>
+          <a:lstStyle/>
           <a:p>
             <a:r>
-              <a:rPr kumimoji="0" lang="en-US" smtClean="0"/>
+              <a:rPr kumimoji="0" lang="en-US"/>
               <a:t>Click to edit Master title style</a:t>
             </a:r>
-            <a:endParaRPr kumimoji="0" lang="en-US"/>
           </a:p>
         </p:txBody>
       </p:sp>
@@ -11402,35 +11578,35 @@
           <a:p>
             <a:pPr lvl="0" eaLnBrk="1" latinLnBrk="0" hangingPunct="1"/>
             <a:r>
-              <a:rPr lang="en-US" smtClean="0"/>
+              <a:rPr lang="en-US"/>
               <a:t>Click to edit Master text styles</a:t>
             </a:r>
           </a:p>
           <a:p>
             <a:pPr lvl="1" eaLnBrk="1" latinLnBrk="0" hangingPunct="1"/>
             <a:r>
-              <a:rPr lang="en-US" smtClean="0"/>
+              <a:rPr lang="en-US"/>
               <a:t>Second level</a:t>
             </a:r>
           </a:p>
           <a:p>
             <a:pPr lvl="2" eaLnBrk="1" latinLnBrk="0" hangingPunct="1"/>
             <a:r>
-              <a:rPr lang="en-US" smtClean="0"/>
+              <a:rPr lang="en-US"/>
               <a:t>Third level</a:t>
             </a:r>
           </a:p>
           <a:p>
             <a:pPr lvl="3" eaLnBrk="1" latinLnBrk="0" hangingPunct="1"/>
             <a:r>
-              <a:rPr lang="en-US" smtClean="0"/>
+              <a:rPr lang="en-US"/>
               <a:t>Fourth level</a:t>
             </a:r>
           </a:p>
           <a:p>
             <a:pPr lvl="4" eaLnBrk="1" latinLnBrk="0" hangingPunct="1"/>
             <a:r>
-              <a:rPr lang="en-US" smtClean="0"/>
+              <a:rPr lang="en-US"/>
               <a:t>Fifth level</a:t>
             </a:r>
             <a:endParaRPr kumimoji="0" lang="en-US"/>
@@ -11488,35 +11664,35 @@
           <a:p>
             <a:pPr lvl="0" eaLnBrk="1" latinLnBrk="0" hangingPunct="1"/>
             <a:r>
-              <a:rPr lang="en-US" smtClean="0"/>
+              <a:rPr lang="en-US"/>
               <a:t>Click to edit Master text styles</a:t>
             </a:r>
           </a:p>
           <a:p>
             <a:pPr lvl="1" eaLnBrk="1" latinLnBrk="0" hangingPunct="1"/>
             <a:r>
-              <a:rPr lang="en-US" smtClean="0"/>
+              <a:rPr lang="en-US"/>
               <a:t>Second level</a:t>
             </a:r>
           </a:p>
           <a:p>
             <a:pPr lvl="2" eaLnBrk="1" latinLnBrk="0" hangingPunct="1"/>
             <a:r>
-              <a:rPr lang="en-US" smtClean="0"/>
+              <a:rPr lang="en-US"/>
               <a:t>Third level</a:t>
             </a:r>
           </a:p>
           <a:p>
             <a:pPr lvl="3" eaLnBrk="1" latinLnBrk="0" hangingPunct="1"/>
             <a:r>
-              <a:rPr lang="en-US" smtClean="0"/>
+              <a:rPr lang="en-US"/>
               <a:t>Fourth level</a:t>
             </a:r>
           </a:p>
           <a:p>
             <a:pPr lvl="4" eaLnBrk="1" latinLnBrk="0" hangingPunct="1"/>
             <a:r>
-              <a:rPr lang="en-US" smtClean="0"/>
+              <a:rPr lang="en-US"/>
               <a:t>Fifth level</a:t>
             </a:r>
             <a:endParaRPr kumimoji="0" lang="en-US"/>
@@ -11540,7 +11716,7 @@
           <a:p>
             <a:fld id="{BE8AED73-B6AA-44B7-9A24-11D2492CDD4E}" type="datetimeFigureOut">
               <a:rPr lang="en-US" smtClean="0"/>
-              <a:t>4/16/2016</a:t>
+              <a:t>3/30/2018</a:t>
             </a:fld>
             <a:endParaRPr lang="en-US"/>
           </a:p>
@@ -11634,10 +11810,9 @@
           </a:lstStyle>
           <a:p>
             <a:r>
-              <a:rPr kumimoji="0" lang="en-US" smtClean="0"/>
+              <a:rPr kumimoji="0" lang="en-US"/>
               <a:t>Click to edit Master title style</a:t>
             </a:r>
-            <a:endParaRPr kumimoji="0" lang="en-US"/>
           </a:p>
         </p:txBody>
       </p:sp>
@@ -11701,7 +11876,7 @@
           <a:p>
             <a:pPr lvl="0" eaLnBrk="1" latinLnBrk="0" hangingPunct="1"/>
             <a:r>
-              <a:rPr kumimoji="0" lang="en-US" smtClean="0"/>
+              <a:rPr kumimoji="0" lang="en-US"/>
               <a:t>Click to edit Master text styles</a:t>
             </a:r>
           </a:p>
@@ -11758,35 +11933,35 @@
           <a:p>
             <a:pPr lvl="0" eaLnBrk="1" latinLnBrk="0" hangingPunct="1"/>
             <a:r>
-              <a:rPr lang="en-US" smtClean="0"/>
+              <a:rPr lang="en-US"/>
               <a:t>Click to edit Master text styles</a:t>
             </a:r>
           </a:p>
           <a:p>
             <a:pPr lvl="1" eaLnBrk="1" latinLnBrk="0" hangingPunct="1"/>
             <a:r>
-              <a:rPr lang="en-US" smtClean="0"/>
+              <a:rPr lang="en-US"/>
               <a:t>Second level</a:t>
             </a:r>
           </a:p>
           <a:p>
             <a:pPr lvl="2" eaLnBrk="1" latinLnBrk="0" hangingPunct="1"/>
             <a:r>
-              <a:rPr lang="en-US" smtClean="0"/>
+              <a:rPr lang="en-US"/>
               <a:t>Third level</a:t>
             </a:r>
           </a:p>
           <a:p>
             <a:pPr lvl="3" eaLnBrk="1" latinLnBrk="0" hangingPunct="1"/>
             <a:r>
-              <a:rPr lang="en-US" smtClean="0"/>
+              <a:rPr lang="en-US"/>
               <a:t>Fourth level</a:t>
             </a:r>
           </a:p>
           <a:p>
             <a:pPr lvl="4" eaLnBrk="1" latinLnBrk="0" hangingPunct="1"/>
             <a:r>
-              <a:rPr lang="en-US" smtClean="0"/>
+              <a:rPr lang="en-US"/>
               <a:t>Fifth level</a:t>
             </a:r>
             <a:endParaRPr kumimoji="0" lang="en-US"/>
@@ -11853,7 +12028,7 @@
           <a:p>
             <a:pPr lvl="0" eaLnBrk="1" latinLnBrk="0" hangingPunct="1"/>
             <a:r>
-              <a:rPr kumimoji="0" lang="en-US" smtClean="0"/>
+              <a:rPr kumimoji="0" lang="en-US"/>
               <a:t>Click to edit Master text styles</a:t>
             </a:r>
           </a:p>
@@ -11910,35 +12085,35 @@
           <a:p>
             <a:pPr lvl="0" eaLnBrk="1" latinLnBrk="0" hangingPunct="1"/>
             <a:r>
-              <a:rPr lang="en-US" smtClean="0"/>
+              <a:rPr lang="en-US"/>
               <a:t>Click to edit Master text styles</a:t>
             </a:r>
           </a:p>
           <a:p>
             <a:pPr lvl="1" eaLnBrk="1" latinLnBrk="0" hangingPunct="1"/>
             <a:r>
-              <a:rPr lang="en-US" smtClean="0"/>
+              <a:rPr lang="en-US"/>
               <a:t>Second level</a:t>
             </a:r>
           </a:p>
           <a:p>
             <a:pPr lvl="2" eaLnBrk="1" latinLnBrk="0" hangingPunct="1"/>
             <a:r>
-              <a:rPr lang="en-US" smtClean="0"/>
+              <a:rPr lang="en-US"/>
               <a:t>Third level</a:t>
             </a:r>
           </a:p>
           <a:p>
             <a:pPr lvl="3" eaLnBrk="1" latinLnBrk="0" hangingPunct="1"/>
             <a:r>
-              <a:rPr lang="en-US" smtClean="0"/>
+              <a:rPr lang="en-US"/>
               <a:t>Fourth level</a:t>
             </a:r>
           </a:p>
           <a:p>
             <a:pPr lvl="4" eaLnBrk="1" latinLnBrk="0" hangingPunct="1"/>
             <a:r>
-              <a:rPr lang="en-US" smtClean="0"/>
+              <a:rPr lang="en-US"/>
               <a:t>Fifth level</a:t>
             </a:r>
             <a:endParaRPr kumimoji="0" lang="en-US"/>
@@ -11962,7 +12137,7 @@
           <a:p>
             <a:fld id="{BE8AED73-B6AA-44B7-9A24-11D2492CDD4E}" type="datetimeFigureOut">
               <a:rPr lang="en-US" smtClean="0"/>
-              <a:t>4/16/2016</a:t>
+              <a:t>3/30/2018</a:t>
             </a:fld>
             <a:endParaRPr lang="en-US"/>
           </a:p>
@@ -12048,15 +12223,12 @@
         <p:spPr/>
         <p:txBody>
           <a:bodyPr/>
-          <a:lstStyle>
-            <a:extLst/>
-          </a:lstStyle>
+          <a:lstStyle/>
           <a:p>
             <a:r>
-              <a:rPr kumimoji="0" lang="en-US" smtClean="0"/>
+              <a:rPr kumimoji="0" lang="en-US"/>
               <a:t>Click to edit Master title style</a:t>
             </a:r>
-            <a:endParaRPr kumimoji="0" lang="en-US"/>
           </a:p>
         </p:txBody>
       </p:sp>
@@ -12077,7 +12249,7 @@
           <a:p>
             <a:fld id="{BE8AED73-B6AA-44B7-9A24-11D2492CDD4E}" type="datetimeFigureOut">
               <a:rPr lang="en-US" smtClean="0"/>
-              <a:t>4/16/2016</a:t>
+              <a:t>3/30/2018</a:t>
             </a:fld>
             <a:endParaRPr lang="en-US"/>
           </a:p>
@@ -12167,7 +12339,7 @@
           <a:p>
             <a:fld id="{BE8AED73-B6AA-44B7-9A24-11D2492CDD4E}" type="datetimeFigureOut">
               <a:rPr lang="en-US" smtClean="0"/>
-              <a:t>4/16/2016</a:t>
+              <a:t>3/30/2018</a:t>
             </a:fld>
             <a:endParaRPr lang="en-US"/>
           </a:p>
@@ -12269,10 +12441,9 @@
           </a:lstStyle>
           <a:p>
             <a:r>
-              <a:rPr kumimoji="0" lang="en-US" smtClean="0"/>
+              <a:rPr kumimoji="0" lang="en-US"/>
               <a:t>Click to edit Master title style</a:t>
             </a:r>
-            <a:endParaRPr kumimoji="0" lang="en-US"/>
           </a:p>
         </p:txBody>
       </p:sp>
@@ -12327,35 +12498,35 @@
           <a:p>
             <a:pPr lvl="0" eaLnBrk="1" latinLnBrk="0" hangingPunct="1"/>
             <a:r>
-              <a:rPr lang="en-US" smtClean="0"/>
+              <a:rPr lang="en-US"/>
               <a:t>Click to edit Master text styles</a:t>
             </a:r>
           </a:p>
           <a:p>
             <a:pPr lvl="1" eaLnBrk="1" latinLnBrk="0" hangingPunct="1"/>
             <a:r>
-              <a:rPr lang="en-US" smtClean="0"/>
+              <a:rPr lang="en-US"/>
               <a:t>Second level</a:t>
             </a:r>
           </a:p>
           <a:p>
             <a:pPr lvl="2" eaLnBrk="1" latinLnBrk="0" hangingPunct="1"/>
             <a:r>
-              <a:rPr lang="en-US" smtClean="0"/>
+              <a:rPr lang="en-US"/>
               <a:t>Third level</a:t>
             </a:r>
           </a:p>
           <a:p>
             <a:pPr lvl="3" eaLnBrk="1" latinLnBrk="0" hangingPunct="1"/>
             <a:r>
-              <a:rPr lang="en-US" smtClean="0"/>
+              <a:rPr lang="en-US"/>
               <a:t>Fourth level</a:t>
             </a:r>
           </a:p>
           <a:p>
             <a:pPr lvl="4" eaLnBrk="1" latinLnBrk="0" hangingPunct="1"/>
             <a:r>
-              <a:rPr lang="en-US" smtClean="0"/>
+              <a:rPr lang="en-US"/>
               <a:t>Fifth level</a:t>
             </a:r>
             <a:endParaRPr kumimoji="0" lang="en-US"/>
@@ -12422,7 +12593,7 @@
           <a:p>
             <a:pPr lvl="0" eaLnBrk="1" latinLnBrk="0" hangingPunct="1"/>
             <a:r>
-              <a:rPr kumimoji="0" lang="en-US" smtClean="0"/>
+              <a:rPr kumimoji="0" lang="en-US"/>
               <a:t>Click to edit Master text styles</a:t>
             </a:r>
           </a:p>
@@ -12445,7 +12616,7 @@
           <a:p>
             <a:fld id="{BE8AED73-B6AA-44B7-9A24-11D2492CDD4E}" type="datetimeFigureOut">
               <a:rPr lang="en-US" smtClean="0"/>
-              <a:t>4/16/2016</a:t>
+              <a:t>3/30/2018</a:t>
             </a:fld>
             <a:endParaRPr lang="en-US"/>
           </a:p>
@@ -12531,9 +12702,7 @@
         </p:style>
         <p:txBody>
           <a:bodyPr rtlCol="0" anchor="ctr"/>
-          <a:lstStyle>
-            <a:extLst/>
-          </a:lstStyle>
+          <a:lstStyle/>
           <a:p>
             <a:pPr algn="ctr" eaLnBrk="1" latinLnBrk="0" hangingPunct="1"/>
             <a:endParaRPr kumimoji="0" lang="en-US"/>
@@ -12578,9 +12747,7 @@
         </p:style>
         <p:txBody>
           <a:bodyPr rtlCol="0" anchor="ctr"/>
-          <a:lstStyle>
-            <a:extLst/>
-          </a:lstStyle>
+          <a:lstStyle/>
           <a:p>
             <a:pPr algn="ctr" eaLnBrk="1" latinLnBrk="0" hangingPunct="1"/>
             <a:endParaRPr kumimoji="0" lang="en-US"/>
@@ -12645,10 +12812,9 @@
           </a:lstStyle>
           <a:p>
             <a:r>
-              <a:rPr kumimoji="0" lang="en-US" smtClean="0"/>
+              <a:rPr kumimoji="0" lang="en-US"/>
               <a:t>Click to edit Master title style</a:t>
             </a:r>
-            <a:endParaRPr kumimoji="0" lang="en-US"/>
           </a:p>
         </p:txBody>
       </p:sp>
@@ -12716,7 +12882,7 @@
           </a:lstStyle>
           <a:p>
             <a:r>
-              <a:rPr kumimoji="0" lang="en-US" smtClean="0"/>
+              <a:rPr kumimoji="0" lang="en-US"/>
               <a:t>Click icon to add picture</a:t>
             </a:r>
             <a:endParaRPr kumimoji="0" lang="en-US" dirty="0"/>
@@ -12783,7 +12949,7 @@
           <a:p>
             <a:pPr lvl="0" eaLnBrk="1" latinLnBrk="0" hangingPunct="1"/>
             <a:r>
-              <a:rPr kumimoji="0" lang="en-US" smtClean="0"/>
+              <a:rPr kumimoji="0" lang="en-US"/>
               <a:t>Click to edit Master text styles</a:t>
             </a:r>
           </a:p>
@@ -12811,7 +12977,7 @@
           <a:p>
             <a:fld id="{BE8AED73-B6AA-44B7-9A24-11D2492CDD4E}" type="datetimeFigureOut">
               <a:rPr lang="en-US" smtClean="0"/>
-              <a:t>4/16/2016</a:t>
+              <a:t>3/30/2018</a:t>
             </a:fld>
             <a:endParaRPr lang="en-US"/>
           </a:p>
@@ -12855,9 +13021,7 @@
         </p:style>
         <p:txBody>
           <a:bodyPr rtlCol="0" anchor="ctr"/>
-          <a:lstStyle>
-            <a:extLst/>
-          </a:lstStyle>
+          <a:lstStyle/>
           <a:p>
             <a:pPr algn="ctr" eaLnBrk="1" latinLnBrk="0" hangingPunct="1"/>
             <a:endParaRPr kumimoji="0" lang="en-US"/>
@@ -12902,9 +13066,7 @@
         </p:style>
         <p:txBody>
           <a:bodyPr rtlCol="0" anchor="ctr"/>
-          <a:lstStyle>
-            <a:extLst/>
-          </a:lstStyle>
+          <a:lstStyle/>
           <a:p>
             <a:pPr algn="ctr" eaLnBrk="1" latinLnBrk="0" hangingPunct="1"/>
             <a:endParaRPr kumimoji="0" lang="en-US"/>
@@ -13048,9 +13210,7 @@
         </p:style>
         <p:txBody>
           <a:bodyPr rtlCol="0" anchor="ctr"/>
-          <a:lstStyle>
-            <a:extLst/>
-          </a:lstStyle>
+          <a:lstStyle/>
           <a:p>
             <a:pPr algn="ctr" eaLnBrk="1" latinLnBrk="0" hangingPunct="1"/>
             <a:endParaRPr kumimoji="0" lang="en-US"/>
@@ -13095,9 +13255,7 @@
         </p:style>
         <p:txBody>
           <a:bodyPr rtlCol="0" anchor="ctr"/>
-          <a:lstStyle>
-            <a:extLst/>
-          </a:lstStyle>
+          <a:lstStyle/>
           <a:p>
             <a:pPr algn="ctr" eaLnBrk="1" latinLnBrk="0" hangingPunct="1"/>
             <a:endParaRPr kumimoji="0" lang="en-US"/>
@@ -13136,15 +13294,12 @@
               <a:bevelT w="50800" h="10160"/>
             </a:sp3d>
           </a:bodyPr>
-          <a:lstStyle>
-            <a:extLst/>
-          </a:lstStyle>
+          <a:lstStyle/>
           <a:p>
             <a:r>
-              <a:rPr kumimoji="0" lang="en-US" smtClean="0"/>
+              <a:rPr kumimoji="0" lang="en-US"/>
               <a:t>Click to edit Master title style</a:t>
             </a:r>
-            <a:endParaRPr kumimoji="0" lang="en-US"/>
           </a:p>
         </p:txBody>
       </p:sp>
@@ -13171,44 +13326,41 @@
           <a:bodyPr vert="horz" lIns="54864" tIns="91440" rtlCol="0">
             <a:normAutofit/>
           </a:bodyPr>
-          <a:lstStyle>
-            <a:extLst/>
-          </a:lstStyle>
+          <a:lstStyle/>
           <a:p>
             <a:pPr lvl="0" eaLnBrk="1" latinLnBrk="0" hangingPunct="1"/>
             <a:r>
-              <a:rPr kumimoji="0" lang="en-US" smtClean="0"/>
+              <a:rPr kumimoji="0" lang="en-US"/>
               <a:t>Click to edit Master text styles</a:t>
             </a:r>
           </a:p>
           <a:p>
             <a:pPr lvl="1" eaLnBrk="1" latinLnBrk="0" hangingPunct="1"/>
             <a:r>
-              <a:rPr kumimoji="0" lang="en-US" smtClean="0"/>
+              <a:rPr kumimoji="0" lang="en-US"/>
               <a:t>Second level</a:t>
             </a:r>
           </a:p>
           <a:p>
             <a:pPr lvl="2" eaLnBrk="1" latinLnBrk="0" hangingPunct="1"/>
             <a:r>
-              <a:rPr kumimoji="0" lang="en-US" smtClean="0"/>
+              <a:rPr kumimoji="0" lang="en-US"/>
               <a:t>Third level</a:t>
             </a:r>
           </a:p>
           <a:p>
             <a:pPr lvl="3" eaLnBrk="1" latinLnBrk="0" hangingPunct="1"/>
             <a:r>
-              <a:rPr kumimoji="0" lang="en-US" smtClean="0"/>
+              <a:rPr kumimoji="0" lang="en-US"/>
               <a:t>Fourth level</a:t>
             </a:r>
           </a:p>
           <a:p>
             <a:pPr lvl="4" eaLnBrk="1" latinLnBrk="0" hangingPunct="1"/>
             <a:r>
-              <a:rPr kumimoji="0" lang="en-US" smtClean="0"/>
+              <a:rPr kumimoji="0" lang="en-US"/>
               <a:t>Fifth level</a:t>
             </a:r>
-            <a:endParaRPr kumimoji="0" lang="en-US"/>
           </a:p>
         </p:txBody>
       </p:sp>
@@ -13248,7 +13400,7 @@
           <a:p>
             <a:fld id="{BE8AED73-B6AA-44B7-9A24-11D2492CDD4E}" type="datetimeFigureOut">
               <a:rPr lang="en-US" smtClean="0"/>
-              <a:t>4/16/2016</a:t>
+              <a:t>3/30/2018</a:t>
             </a:fld>
             <a:endParaRPr lang="en-US"/>
           </a:p>
@@ -13677,26 +13829,25 @@
           <a:lstStyle/>
           <a:p>
             <a:r>
-              <a:rPr lang="en-US" dirty="0" smtClean="0"/>
+              <a:rPr lang="en-US" dirty="0"/>
               <a:t>Performance Characterization of Porous Silicon (</a:t>
             </a:r>
             <a:r>
-              <a:rPr lang="en-US" dirty="0" err="1" smtClean="0"/>
+              <a:rPr lang="en-US" dirty="0" err="1"/>
               <a:t>PoSi</a:t>
             </a:r>
             <a:r>
-              <a:rPr lang="en-US" dirty="0" smtClean="0"/>
+              <a:rPr lang="en-US" dirty="0"/>
               <a:t>) </a:t>
             </a:r>
             <a:r>
-              <a:rPr lang="en-US" dirty="0" err="1" smtClean="0"/>
+              <a:rPr lang="en-US" dirty="0" err="1"/>
               <a:t>Schottky</a:t>
             </a:r>
             <a:r>
-              <a:rPr lang="en-US" dirty="0" smtClean="0"/>
+              <a:rPr lang="en-US" dirty="0"/>
               <a:t> Devices</a:t>
             </a:r>
-            <a:endParaRPr lang="en-US" dirty="0"/>
           </a:p>
         </p:txBody>
       </p:sp>
@@ -13723,7 +13874,7 @@
           <a:lstStyle/>
           <a:p>
             <a:r>
-              <a:rPr lang="en-US" sz="2400" dirty="0" smtClean="0"/>
+              <a:rPr lang="en-US" sz="2400" dirty="0"/>
               <a:t>Nick Kantack</a:t>
             </a:r>
           </a:p>
@@ -13740,11 +13891,10 @@
               <a:rPr lang="en-US" sz="2400" dirty="0"/>
               <a:t> Sani,  L. A. Bumm, and I. R. Sellers</a:t>
             </a:r>
-            <a:endParaRPr lang="en-US" sz="2400" dirty="0" smtClean="0"/>
           </a:p>
           <a:p>
             <a:r>
-              <a:rPr lang="en-US" sz="2400" dirty="0" smtClean="0"/>
+              <a:rPr lang="en-US" sz="2400" dirty="0"/>
               <a:t>4/16/2016</a:t>
             </a:r>
           </a:p>
@@ -13879,13 +14029,6 @@
   <p:clrMapOvr>
     <a:masterClrMapping/>
   </p:clrMapOvr>
-  <p:timing>
-    <p:tnLst>
-      <p:par>
-        <p:cTn id="1" dur="indefinite" restart="never" nodeType="tmRoot"/>
-      </p:par>
-    </p:tnLst>
-  </p:timing>
 </p:sld>
 </file>
 
@@ -13922,10 +14065,9 @@
           <a:lstStyle/>
           <a:p>
             <a:r>
-              <a:rPr lang="en-US" dirty="0" smtClean="0"/>
+              <a:rPr lang="en-US" dirty="0"/>
               <a:t>Expanded Model</a:t>
             </a:r>
-            <a:endParaRPr lang="en-US" dirty="0"/>
           </a:p>
         </p:txBody>
       </p:sp>
@@ -13952,10 +14094,9 @@
           <a:lstStyle/>
           <a:p>
             <a:r>
-              <a:rPr lang="en-US" dirty="0" smtClean="0"/>
+              <a:rPr lang="en-US" dirty="0"/>
               <a:t>The following equation models metal-semiconductor-metal lead selenide diodes.</a:t>
             </a:r>
-            <a:endParaRPr lang="en-US" dirty="0"/>
           </a:p>
         </p:txBody>
       </p:sp>
@@ -14205,10 +14346,9 @@
           </a:lstStyle>
           <a:p>
             <a:r>
-              <a:rPr lang="en-US" sz="2800" dirty="0" smtClean="0"/>
+              <a:rPr lang="en-US" sz="2800" dirty="0"/>
               <a:t>I adapted this equation to incorporate the resistivity elements into an expanded diode equation.</a:t>
             </a:r>
-            <a:endParaRPr lang="en-US" sz="2800" dirty="0"/>
           </a:p>
         </p:txBody>
       </p:sp>
@@ -14235,18 +14375,17 @@
           <a:lstStyle/>
           <a:p>
             <a:r>
-              <a:rPr lang="en-US" u="sng" dirty="0" smtClean="0"/>
+              <a:rPr lang="en-US" u="sng" dirty="0"/>
               <a:t>Daniel </a:t>
             </a:r>
             <a:r>
-              <a:rPr lang="en-US" u="sng" dirty="0" err="1" smtClean="0"/>
+              <a:rPr lang="en-US" u="sng" dirty="0" err="1"/>
               <a:t>Bozyigiti</a:t>
             </a:r>
             <a:r>
-              <a:rPr lang="en-US" u="sng" dirty="0" smtClean="0"/>
+              <a:rPr lang="en-US" u="sng" dirty="0"/>
               <a:t>, et. al. “A quantitative model for charge carrier transport, trapping and recombination in nanocrystal-based solar cells”</a:t>
             </a:r>
-            <a:endParaRPr lang="en-US" u="sng" dirty="0"/>
           </a:p>
         </p:txBody>
       </p:sp>
@@ -14520,17 +14659,16 @@
           <a:lstStyle/>
           <a:p>
             <a:r>
-              <a:rPr lang="en-US" dirty="0" smtClean="0"/>
+              <a:rPr lang="en-US" dirty="0"/>
               <a:t>Fitting the IVs:  </a:t>
             </a:r>
             <a:br>
-              <a:rPr lang="en-US" dirty="0" smtClean="0"/>
+              <a:rPr lang="en-US" dirty="0"/>
             </a:br>
             <a:r>
-              <a:rPr lang="en-US" sz="3600" dirty="0" smtClean="0"/>
+              <a:rPr lang="en-US" sz="3600" dirty="0"/>
               <a:t>Expanded Model</a:t>
             </a:r>
-            <a:endParaRPr lang="en-US" sz="3600" dirty="0"/>
           </a:p>
         </p:txBody>
       </p:sp>
@@ -14555,7 +14693,7 @@
           <a:lstStyle/>
           <a:p>
             <a:r>
-              <a:rPr lang="en-US" dirty="0" smtClean="0"/>
+              <a:rPr lang="en-US" dirty="0"/>
               <a:t>The expanded model largely explains the current observed in the devices.</a:t>
             </a:r>
           </a:p>
@@ -14688,10 +14826,9 @@
           <a:lstStyle/>
           <a:p>
             <a:r>
-              <a:rPr lang="en-US" dirty="0" smtClean="0"/>
+              <a:rPr lang="en-US" dirty="0"/>
               <a:t>Offset likely due to omission of voltage lowering</a:t>
             </a:r>
-            <a:endParaRPr lang="en-US" dirty="0"/>
           </a:p>
         </p:txBody>
       </p:sp>
@@ -14705,13 +14842,6 @@
   <p:clrMapOvr>
     <a:masterClrMapping/>
   </p:clrMapOvr>
-  <p:timing>
-    <p:tnLst>
-      <p:par>
-        <p:cTn id="1" dur="indefinite" restart="never" nodeType="tmRoot"/>
-      </p:par>
-    </p:tnLst>
-  </p:timing>
 </p:sld>
 </file>
 
@@ -14748,10 +14878,9 @@
           <a:lstStyle/>
           <a:p>
             <a:r>
-              <a:rPr lang="en-US" dirty="0" smtClean="0"/>
+              <a:rPr lang="en-US" dirty="0"/>
               <a:t>Extracting Constants</a:t>
             </a:r>
-            <a:endParaRPr lang="en-US" dirty="0"/>
           </a:p>
         </p:txBody>
       </p:sp>
@@ -14778,24 +14907,23 @@
           <a:lstStyle/>
           <a:p>
             <a:r>
-              <a:rPr lang="en-US" dirty="0" smtClean="0"/>
+              <a:rPr lang="en-US" dirty="0"/>
               <a:t>Arrhenius Saturation Current is linear with inverse temperature.</a:t>
             </a:r>
           </a:p>
           <a:p>
             <a:pPr lvl="1"/>
             <a:r>
-              <a:rPr lang="en-US" dirty="0" smtClean="0"/>
+              <a:rPr lang="en-US" dirty="0"/>
               <a:t>Intercept - Richardson Constant</a:t>
             </a:r>
           </a:p>
           <a:p>
             <a:pPr lvl="1"/>
             <a:r>
-              <a:rPr lang="en-US" dirty="0" smtClean="0"/>
+              <a:rPr lang="en-US" dirty="0"/>
               <a:t>Slope - Barrier Height</a:t>
             </a:r>
-            <a:endParaRPr lang="en-US" dirty="0"/>
           </a:p>
         </p:txBody>
       </p:sp>
@@ -14917,9 +15045,27 @@
                 <a:tableStyleId>{5C22544A-7EE6-4342-B048-85BDC9FD1C3A}</a:tableStyleId>
               </a:tblPr>
               <a:tblGrid>
-                <a:gridCol w="1100944"/>
-                <a:gridCol w="1100944"/>
-                <a:gridCol w="1100944"/>
+                <a:gridCol w="1100944">
+                  <a:extLst>
+                    <a:ext uri="{9D8B030D-6E8A-4147-A177-3AD203B41FA5}">
+                      <a16:colId xmlns:a16="http://schemas.microsoft.com/office/drawing/2014/main" val="20000"/>
+                    </a:ext>
+                  </a:extLst>
+                </a:gridCol>
+                <a:gridCol w="1100944">
+                  <a:extLst>
+                    <a:ext uri="{9D8B030D-6E8A-4147-A177-3AD203B41FA5}">
+                      <a16:colId xmlns:a16="http://schemas.microsoft.com/office/drawing/2014/main" val="20001"/>
+                    </a:ext>
+                  </a:extLst>
+                </a:gridCol>
+                <a:gridCol w="1100944">
+                  <a:extLst>
+                    <a:ext uri="{9D8B030D-6E8A-4147-A177-3AD203B41FA5}">
+                      <a16:colId xmlns:a16="http://schemas.microsoft.com/office/drawing/2014/main" val="20002"/>
+                    </a:ext>
+                  </a:extLst>
+                </a:gridCol>
               </a:tblGrid>
               <a:tr h="356795">
                 <a:tc gridSpan="3">
@@ -15005,6 +15151,11 @@
                   </a:txBody>
                   <a:tcPr/>
                 </a:tc>
+                <a:extLst>
+                  <a:ext uri="{0D108BD9-81ED-4DB2-BD59-A6C34878D82A}">
+                    <a16:rowId xmlns:a16="http://schemas.microsoft.com/office/drawing/2014/main" val="10000"/>
+                  </a:ext>
+                </a:extLst>
               </a:tr>
               <a:tr h="668990">
                 <a:tc>
@@ -15196,6 +15347,11 @@
                     </a:lnB>
                   </a:tcPr>
                 </a:tc>
+                <a:extLst>
+                  <a:ext uri="{0D108BD9-81ED-4DB2-BD59-A6C34878D82A}">
+                    <a16:rowId xmlns:a16="http://schemas.microsoft.com/office/drawing/2014/main" val="10001"/>
+                  </a:ext>
+                </a:extLst>
               </a:tr>
               <a:tr h="510415">
                 <a:tc>
@@ -15387,6 +15543,11 @@
                     </a:lnB>
                   </a:tcPr>
                 </a:tc>
+                <a:extLst>
+                  <a:ext uri="{0D108BD9-81ED-4DB2-BD59-A6C34878D82A}">
+                    <a16:rowId xmlns:a16="http://schemas.microsoft.com/office/drawing/2014/main" val="10002"/>
+                  </a:ext>
+                </a:extLst>
               </a:tr>
             </a:tbl>
           </a:graphicData>
@@ -15402,13 +15563,6 @@
   <p:clrMapOvr>
     <a:masterClrMapping/>
   </p:clrMapOvr>
-  <p:timing>
-    <p:tnLst>
-      <p:par>
-        <p:cTn id="1" dur="indefinite" restart="never" nodeType="tmRoot"/>
-      </p:par>
-    </p:tnLst>
-  </p:timing>
 </p:sld>
 </file>
 
@@ -15447,10 +15601,9 @@
           <a:lstStyle/>
           <a:p>
             <a:r>
-              <a:rPr lang="en-US" dirty="0" smtClean="0"/>
+              <a:rPr lang="en-US" dirty="0"/>
               <a:t>Conclusions</a:t>
             </a:r>
-            <a:endParaRPr lang="en-US" dirty="0"/>
           </a:p>
         </p:txBody>
       </p:sp>
@@ -15472,7 +15625,7 @@
           <a:lstStyle/>
           <a:p>
             <a:r>
-              <a:rPr lang="en-US" dirty="0" smtClean="0"/>
+              <a:rPr lang="en-US" dirty="0"/>
               <a:t>Identified a compelling diode model incorporating resistivity effects</a:t>
             </a:r>
           </a:p>
@@ -15481,7 +15634,7 @@
           </a:p>
           <a:p>
             <a:r>
-              <a:rPr lang="en-US" dirty="0" smtClean="0"/>
+              <a:rPr lang="en-US" dirty="0"/>
               <a:t>Observed results consistent with thermionic emission theory</a:t>
             </a:r>
           </a:p>
@@ -15490,24 +15643,23 @@
           </a:p>
           <a:p>
             <a:r>
-              <a:rPr lang="en-US" dirty="0" smtClean="0"/>
+              <a:rPr lang="en-US" dirty="0"/>
               <a:t>Determined physical constants about device characteristics from the fitting constants</a:t>
             </a:r>
           </a:p>
           <a:p>
             <a:pPr lvl="1"/>
             <a:r>
-              <a:rPr lang="en-US" dirty="0" smtClean="0"/>
+              <a:rPr lang="en-US" dirty="0"/>
               <a:t>Barrier height</a:t>
             </a:r>
           </a:p>
           <a:p>
             <a:pPr lvl="1"/>
             <a:r>
-              <a:rPr lang="en-US" dirty="0" smtClean="0"/>
+              <a:rPr lang="en-US" dirty="0"/>
               <a:t>Richardson Constant</a:t>
             </a:r>
-            <a:endParaRPr lang="en-US" dirty="0"/>
           </a:p>
         </p:txBody>
       </p:sp>
@@ -15562,13 +15714,6 @@
   <p:clrMapOvr>
     <a:masterClrMapping/>
   </p:clrMapOvr>
-  <p:timing>
-    <p:tnLst>
-      <p:par>
-        <p:cTn id="1" dur="indefinite" restart="never" nodeType="tmRoot"/>
-      </p:par>
-    </p:tnLst>
-  </p:timing>
 </p:sld>
 </file>
 
@@ -15605,10 +15750,9 @@
           <a:lstStyle/>
           <a:p>
             <a:r>
-              <a:rPr lang="en-US" dirty="0" smtClean="0"/>
+              <a:rPr lang="en-US" dirty="0"/>
               <a:t>Future Work</a:t>
             </a:r>
-            <a:endParaRPr lang="en-US" dirty="0"/>
           </a:p>
         </p:txBody>
       </p:sp>
@@ -15628,21 +15772,21 @@
           <a:lstStyle/>
           <a:p>
             <a:r>
-              <a:rPr lang="en-US" dirty="0" smtClean="0"/>
+              <a:rPr lang="en-US" dirty="0"/>
               <a:t>Perform this analysis on new cells from OU</a:t>
             </a:r>
           </a:p>
           <a:p>
             <a:pPr lvl="1"/>
             <a:r>
-              <a:rPr lang="en-US" dirty="0" smtClean="0"/>
+              <a:rPr lang="en-US" dirty="0"/>
               <a:t>Standardize the cell area</a:t>
             </a:r>
           </a:p>
           <a:p>
             <a:pPr lvl="1"/>
             <a:r>
-              <a:rPr lang="en-US" dirty="0" smtClean="0"/>
+              <a:rPr lang="en-US" dirty="0"/>
               <a:t>Test in conjunction with quantum dots</a:t>
             </a:r>
           </a:p>
@@ -15651,17 +15795,16 @@
           </a:p>
           <a:p>
             <a:r>
-              <a:rPr lang="en-US" dirty="0" smtClean="0"/>
+              <a:rPr lang="en-US" dirty="0"/>
               <a:t>Better understand deviations from model</a:t>
             </a:r>
           </a:p>
           <a:p>
             <a:pPr lvl="1"/>
             <a:r>
-              <a:rPr lang="en-US" dirty="0" smtClean="0"/>
+              <a:rPr lang="en-US" dirty="0"/>
               <a:t>Tunneling current in reverse bias?</a:t>
             </a:r>
-            <a:endParaRPr lang="en-US" dirty="0"/>
           </a:p>
         </p:txBody>
       </p:sp>
@@ -15716,13 +15859,6 @@
   <p:clrMapOvr>
     <a:masterClrMapping/>
   </p:clrMapOvr>
-  <p:timing>
-    <p:tnLst>
-      <p:par>
-        <p:cTn id="1" dur="indefinite" restart="never" nodeType="tmRoot"/>
-      </p:par>
-    </p:tnLst>
-  </p:timing>
 </p:sld>
 </file>
 
@@ -15759,10 +15895,9 @@
           <a:lstStyle/>
           <a:p>
             <a:r>
-              <a:rPr lang="en-US" dirty="0" smtClean="0"/>
+              <a:rPr lang="en-US" dirty="0"/>
               <a:t>Acknowledgements</a:t>
             </a:r>
-            <a:endParaRPr lang="en-US" dirty="0"/>
           </a:p>
         </p:txBody>
       </p:sp>
@@ -15790,11 +15925,7 @@
           <a:p>
             <a:r>
               <a:rPr lang="en-US" dirty="0"/>
-              <a:t>Dr. </a:t>
-            </a:r>
-            <a:r>
-              <a:rPr lang="en-US" dirty="0" smtClean="0"/>
-              <a:t>Ian Sellers</a:t>
+              <a:t>Dr. Ian Sellers</a:t>
             </a:r>
           </a:p>
           <a:p>
@@ -15802,7 +15933,7 @@
           </a:p>
           <a:p>
             <a:r>
-              <a:rPr lang="en-US" dirty="0" smtClean="0"/>
+              <a:rPr lang="en-US" dirty="0"/>
               <a:t>Dr. Vincent Whiteside</a:t>
             </a:r>
           </a:p>
@@ -15811,7 +15942,7 @@
           </a:p>
           <a:p>
             <a:r>
-              <a:rPr lang="en-US" dirty="0" smtClean="0"/>
+              <a:rPr lang="en-US" dirty="0"/>
               <a:t>Dr. Lloyd Bumm and the Bumm Group</a:t>
             </a:r>
           </a:p>
@@ -15821,19 +15952,15 @@
           <a:p>
             <a:r>
               <a:rPr lang="en-US" dirty="0"/>
-              <a:t>Fellow researcher group </a:t>
-            </a:r>
-            <a:r>
-              <a:rPr lang="en-US" dirty="0" smtClean="0"/>
-              <a:t>members</a:t>
+              <a:t>Fellow researcher group members</a:t>
             </a:r>
           </a:p>
           <a:p>
-            <a:endParaRPr lang="en-US" dirty="0" smtClean="0"/>
+            <a:endParaRPr lang="en-US" dirty="0"/>
           </a:p>
           <a:p>
             <a:r>
-              <a:rPr lang="en-US" dirty="0" smtClean="0"/>
+              <a:rPr lang="en-US" dirty="0"/>
               <a:t>Partners of the Oklahoma NASA Energy and Materials Symposium, and the University of Tulsa for hosting the event</a:t>
             </a:r>
           </a:p>
@@ -15841,21 +15968,20 @@
             <a:pPr marL="118872" indent="0">
               <a:buNone/>
             </a:pPr>
-            <a:endParaRPr lang="en-US" dirty="0" smtClean="0"/>
+            <a:endParaRPr lang="en-US" dirty="0"/>
           </a:p>
           <a:p>
             <a:r>
-              <a:rPr lang="en-US" dirty="0" smtClean="0"/>
+              <a:rPr lang="en-US" dirty="0"/>
               <a:t>Oklahoma Center for the Advancement of Science &amp; Technology</a:t>
             </a:r>
           </a:p>
           <a:p>
             <a:pPr lvl="1"/>
             <a:r>
-              <a:rPr lang="en-US" dirty="0" smtClean="0"/>
+              <a:rPr lang="en-US" dirty="0"/>
               <a:t>OARs program grant number # AR 14-041</a:t>
             </a:r>
-            <a:endParaRPr lang="en-US" dirty="0"/>
           </a:p>
         </p:txBody>
       </p:sp>
@@ -16005,13 +16131,6 @@
   <p:clrMapOvr>
     <a:masterClrMapping/>
   </p:clrMapOvr>
-  <p:timing>
-    <p:tnLst>
-      <p:par>
-        <p:cTn id="1" dur="indefinite" restart="never" nodeType="tmRoot"/>
-      </p:par>
-    </p:tnLst>
-  </p:timing>
 </p:sld>
 </file>
 
@@ -16048,10 +16167,9 @@
           <a:lstStyle/>
           <a:p>
             <a:r>
-              <a:rPr lang="en-US" dirty="0" smtClean="0"/>
+              <a:rPr lang="en-US" dirty="0"/>
               <a:t>Motivation</a:t>
             </a:r>
-            <a:endParaRPr lang="en-US" dirty="0"/>
           </a:p>
         </p:txBody>
       </p:sp>
@@ -16078,21 +16196,21 @@
           <a:lstStyle/>
           <a:p>
             <a:r>
-              <a:rPr lang="en-US" dirty="0" smtClean="0"/>
+              <a:rPr lang="en-US" dirty="0"/>
               <a:t>Solar energy</a:t>
             </a:r>
           </a:p>
           <a:p>
             <a:pPr lvl="1"/>
             <a:r>
-              <a:rPr lang="en-US" dirty="0" smtClean="0"/>
+              <a:rPr lang="en-US" dirty="0"/>
               <a:t>Cheap</a:t>
             </a:r>
           </a:p>
           <a:p>
             <a:pPr lvl="1"/>
             <a:r>
-              <a:rPr lang="en-US" dirty="0" smtClean="0"/>
+              <a:rPr lang="en-US" dirty="0"/>
               <a:t>Efficient</a:t>
             </a:r>
           </a:p>
@@ -16100,41 +16218,36 @@
             <a:pPr lvl="1"/>
             <a:r>
               <a:rPr lang="en-US" dirty="0"/>
-              <a:t>V</a:t>
-            </a:r>
-            <a:r>
-              <a:rPr lang="en-US" dirty="0" smtClean="0"/>
-              <a:t>ersatile</a:t>
+              <a:t>Versatile</a:t>
             </a:r>
           </a:p>
           <a:p>
             <a:pPr lvl="1"/>
-            <a:endParaRPr lang="en-US" dirty="0" smtClean="0"/>
+            <a:endParaRPr lang="en-US" dirty="0"/>
           </a:p>
           <a:p>
             <a:r>
-              <a:rPr lang="en-US" dirty="0" smtClean="0"/>
+              <a:rPr lang="en-US" dirty="0"/>
               <a:t>Silicon is the most established of all solar technologies.</a:t>
             </a:r>
           </a:p>
           <a:p>
-            <a:endParaRPr lang="en-US" dirty="0" smtClean="0"/>
+            <a:endParaRPr lang="en-US" dirty="0"/>
           </a:p>
           <a:p>
             <a:r>
-              <a:rPr lang="en-US" dirty="0" smtClean="0"/>
+              <a:rPr lang="en-US" dirty="0"/>
               <a:t>Innovations for silicon cells can apply to other emerging solar materials</a:t>
             </a:r>
           </a:p>
           <a:p>
-            <a:endParaRPr lang="en-US" dirty="0" smtClean="0"/>
+            <a:endParaRPr lang="en-US" dirty="0"/>
           </a:p>
           <a:p>
             <a:r>
-              <a:rPr lang="en-US" dirty="0" smtClean="0"/>
+              <a:rPr lang="en-US" dirty="0"/>
               <a:t>Porous silicon reduces reflection, the primary loss separating current cells from ideal performance.</a:t>
             </a:r>
-            <a:endParaRPr lang="en-US" dirty="0"/>
           </a:p>
         </p:txBody>
       </p:sp>
@@ -16379,13 +16492,6 @@
   <p:clrMapOvr>
     <a:masterClrMapping/>
   </p:clrMapOvr>
-  <p:timing>
-    <p:tnLst>
-      <p:par>
-        <p:cTn id="1" dur="indefinite" restart="never" nodeType="tmRoot"/>
-      </p:par>
-    </p:tnLst>
-  </p:timing>
 </p:sld>
 </file>
 
@@ -16424,10 +16530,9 @@
           <a:lstStyle/>
           <a:p>
             <a:r>
-              <a:rPr lang="en-US" sz="3600" dirty="0" smtClean="0"/>
+              <a:rPr lang="en-US" sz="3600" dirty="0"/>
               <a:t>Research Summary</a:t>
             </a:r>
-            <a:endParaRPr lang="en-US" sz="3600" dirty="0"/>
           </a:p>
         </p:txBody>
       </p:sp>
@@ -16454,52 +16559,52 @@
           <a:lstStyle/>
           <a:p>
             <a:r>
-              <a:rPr lang="en-US" dirty="0" smtClean="0"/>
+              <a:rPr lang="en-US" dirty="0"/>
               <a:t>The nature of </a:t>
             </a:r>
             <a:r>
-              <a:rPr lang="en-US" dirty="0" err="1" smtClean="0"/>
+              <a:rPr lang="en-US" dirty="0" err="1"/>
               <a:t>PoSi</a:t>
             </a:r>
             <a:r>
-              <a:rPr lang="en-US" dirty="0" smtClean="0"/>
+              <a:rPr lang="en-US" dirty="0"/>
               <a:t> devices fabricated at OU are not fully understood.</a:t>
             </a:r>
           </a:p>
           <a:p>
-            <a:endParaRPr lang="en-US" dirty="0" smtClean="0"/>
+            <a:endParaRPr lang="en-US" dirty="0"/>
           </a:p>
           <a:p>
             <a:r>
-              <a:rPr lang="en-US" dirty="0" smtClean="0"/>
+              <a:rPr lang="en-US" dirty="0"/>
               <a:t>Would like to know:</a:t>
             </a:r>
           </a:p>
           <a:p>
             <a:pPr lvl="1"/>
             <a:r>
-              <a:rPr lang="en-US" dirty="0" smtClean="0"/>
+              <a:rPr lang="en-US" dirty="0"/>
               <a:t>What charge transport models dominate?</a:t>
             </a:r>
           </a:p>
           <a:p>
             <a:pPr lvl="1"/>
             <a:r>
-              <a:rPr lang="en-US" dirty="0" smtClean="0"/>
+              <a:rPr lang="en-US" dirty="0"/>
               <a:t>What loss mechanisms dominate?</a:t>
             </a:r>
           </a:p>
           <a:p>
             <a:pPr lvl="1"/>
             <a:r>
-              <a:rPr lang="en-US" dirty="0" smtClean="0"/>
+              <a:rPr lang="en-US" dirty="0"/>
               <a:t>What is the quality of the devices?</a:t>
             </a:r>
           </a:p>
           <a:p>
             <a:pPr lvl="1"/>
             <a:r>
-              <a:rPr lang="en-US" dirty="0" smtClean="0"/>
+              <a:rPr lang="en-US" dirty="0"/>
               <a:t>How do they compare to non-porous silicon?</a:t>
             </a:r>
           </a:p>
@@ -16567,14 +16672,13 @@
           <a:lstStyle/>
           <a:p>
             <a:r>
-              <a:rPr lang="en-US" b="1" dirty="0" err="1" smtClean="0"/>
+              <a:rPr lang="en-US" b="1" dirty="0" err="1"/>
               <a:t>PoSi</a:t>
             </a:r>
             <a:r>
-              <a:rPr lang="en-US" b="1" dirty="0" smtClean="0"/>
+              <a:rPr lang="en-US" b="1" dirty="0"/>
               <a:t> Cells</a:t>
             </a:r>
-            <a:endParaRPr lang="en-US" b="1" dirty="0"/>
           </a:p>
         </p:txBody>
       </p:sp>
@@ -16601,10 +16705,9 @@
           <a:lstStyle/>
           <a:p>
             <a:r>
-              <a:rPr lang="en-US" b="1" dirty="0" smtClean="0"/>
+              <a:rPr lang="en-US" b="1" dirty="0"/>
               <a:t>Si Cells</a:t>
             </a:r>
-            <a:endParaRPr lang="en-US" b="1" dirty="0"/>
           </a:p>
         </p:txBody>
       </p:sp>
@@ -16935,7 +17038,7 @@
             <a:lstStyle/>
             <a:p>
               <a:r>
-                <a:rPr lang="en-US" b="1" dirty="0" err="1" smtClean="0">
+                <a:rPr lang="en-US" b="1" dirty="0" err="1">
                   <a:solidFill>
                     <a:schemeClr val="accent6">
                       <a:lumMod val="50000"/>
@@ -16977,7 +17080,7 @@
             <a:lstStyle/>
             <a:p>
               <a:r>
-                <a:rPr lang="en-US" b="1" dirty="0" smtClean="0">
+                <a:rPr lang="en-US" b="1" dirty="0">
                   <a:solidFill>
                     <a:schemeClr val="accent1">
                       <a:lumMod val="50000"/>
@@ -16987,7 +17090,7 @@
                 <a:t>Si/</a:t>
               </a:r>
               <a:r>
-                <a:rPr lang="en-US" b="1" dirty="0" err="1" smtClean="0">
+                <a:rPr lang="en-US" b="1" dirty="0" err="1">
                   <a:solidFill>
                     <a:schemeClr val="accent1">
                       <a:lumMod val="50000"/>
@@ -17029,10 +17132,9 @@
             <a:lstStyle/>
             <a:p>
               <a:r>
-                <a:rPr lang="en-US" b="1" dirty="0" smtClean="0"/>
+                <a:rPr lang="en-US" b="1" dirty="0"/>
                 <a:t>Al</a:t>
               </a:r>
-              <a:endParaRPr lang="en-US" b="1" dirty="0"/>
             </a:p>
           </p:txBody>
         </p:sp>
@@ -17060,11 +17162,11 @@
           <a:lstStyle/>
           <a:p>
             <a:r>
-              <a:rPr lang="en-US" sz="1400" dirty="0" smtClean="0"/>
+              <a:rPr lang="en-US" sz="1400" dirty="0"/>
               <a:t>Quantum14 Inc. </a:t>
             </a:r>
             <a:r>
-              <a:rPr lang="en-US" sz="1400" dirty="0" err="1" smtClean="0"/>
+              <a:rPr lang="en-US" sz="1400" dirty="0" err="1"/>
               <a:t>Kajino-cho</a:t>
             </a:r>
             <a:r>
@@ -17077,13 +17179,8 @@
             </a:r>
             <a:r>
               <a:rPr lang="en-US" sz="1400" dirty="0"/>
-              <a:t>, Tokyo</a:t>
+              <a:t>, Tokyo </a:t>
             </a:r>
-            <a:r>
-              <a:rPr lang="en-US" sz="1400" dirty="0" smtClean="0"/>
-              <a:t> </a:t>
-            </a:r>
-            <a:endParaRPr lang="en-US" sz="1400" dirty="0"/>
           </a:p>
         </p:txBody>
       </p:sp>
@@ -17192,10 +17289,9 @@
           <a:lstStyle/>
           <a:p>
             <a:r>
-              <a:rPr lang="en-US" b="1" dirty="0" smtClean="0"/>
+              <a:rPr lang="en-US" b="1" dirty="0"/>
               <a:t>SEM of Porous Silicon</a:t>
             </a:r>
-            <a:endParaRPr lang="en-US" b="1" dirty="0"/>
           </a:p>
         </p:txBody>
       </p:sp>
@@ -17222,10 +17318,9 @@
           <a:lstStyle/>
           <a:p>
             <a:r>
-              <a:rPr lang="en-US" b="1" dirty="0" smtClean="0"/>
+              <a:rPr lang="en-US" b="1" dirty="0"/>
               <a:t>Device Structure</a:t>
             </a:r>
-            <a:endParaRPr lang="en-US" b="1" dirty="0"/>
           </a:p>
         </p:txBody>
       </p:sp>
@@ -17239,13 +17334,6 @@
   <p:clrMapOvr>
     <a:masterClrMapping/>
   </p:clrMapOvr>
-  <p:timing>
-    <p:tnLst>
-      <p:par>
-        <p:cTn id="1" dur="indefinite" restart="never" nodeType="tmRoot"/>
-      </p:par>
-    </p:tnLst>
-  </p:timing>
 </p:sld>
 </file>
 
@@ -17282,10 +17370,9 @@
           <a:lstStyle/>
           <a:p>
             <a:r>
-              <a:rPr lang="en-US" dirty="0" smtClean="0"/>
+              <a:rPr lang="en-US" dirty="0"/>
               <a:t>Discussion of Reflectivity</a:t>
             </a:r>
-            <a:endParaRPr lang="en-US" dirty="0"/>
           </a:p>
         </p:txBody>
       </p:sp>
@@ -17312,15 +17399,15 @@
           <a:lstStyle/>
           <a:p>
             <a:r>
-              <a:rPr lang="en-US" dirty="0" smtClean="0"/>
+              <a:rPr lang="en-US" dirty="0"/>
               <a:t>Porous silicon </a:t>
             </a:r>
             <a:r>
-              <a:rPr lang="en-US" dirty="0" err="1" smtClean="0"/>
+              <a:rPr lang="en-US" dirty="0" err="1"/>
               <a:t>schottky</a:t>
             </a:r>
             <a:r>
-              <a:rPr lang="en-US" dirty="0" smtClean="0"/>
+              <a:rPr lang="en-US" dirty="0"/>
               <a:t> devices demonstrated ~25% lower reflectivity.</a:t>
             </a:r>
           </a:p>
@@ -17329,7 +17416,7 @@
           </a:p>
           <a:p>
             <a:r>
-              <a:rPr lang="en-US" dirty="0" smtClean="0"/>
+              <a:rPr lang="en-US" dirty="0"/>
               <a:t>Light entering the pores impinges the walls multiple times, increasing probability of absorption.</a:t>
             </a:r>
           </a:p>
@@ -17339,13 +17426,8 @@
           <a:p>
             <a:r>
               <a:rPr lang="en-US" dirty="0"/>
-              <a:t>R</a:t>
+              <a:t>Reflectivity is high in these devices due to Palladium layer.</a:t>
             </a:r>
-            <a:r>
-              <a:rPr lang="en-US" dirty="0" smtClean="0"/>
-              <a:t>eflectivity is high in these devices due to Palladium layer.</a:t>
-            </a:r>
-            <a:endParaRPr lang="en-US" dirty="0"/>
           </a:p>
         </p:txBody>
       </p:sp>
@@ -17358,7 +17440,7 @@
           <p:nvPr>
             <p:extLst>
               <p:ext uri="{D42A27DB-BD31-4B8C-83A1-F6EECF244321}">
-                <p14:modId xmlns:p14="http://schemas.microsoft.com/office/powerpoint/2010/main" val="393334052"/>
+                <p14:modId xmlns:p14="http://schemas.microsoft.com/office/powerpoint/2010/main" val="2966495438"/>
               </p:ext>
             </p:extLst>
           </p:nvPr>
@@ -17383,13 +17465,6 @@
   <p:clrMapOvr>
     <a:masterClrMapping/>
   </p:clrMapOvr>
-  <p:timing>
-    <p:tnLst>
-      <p:par>
-        <p:cTn id="1" dur="indefinite" restart="never" nodeType="tmRoot"/>
-      </p:par>
-    </p:tnLst>
-  </p:timing>
 </p:sld>
 </file>
 
@@ -17433,10 +17508,9 @@
           <a:lstStyle/>
           <a:p>
             <a:r>
-              <a:rPr lang="en-US" dirty="0" smtClean="0"/>
+              <a:rPr lang="en-US" dirty="0"/>
               <a:t>Theory Of Device Performance</a:t>
             </a:r>
-            <a:endParaRPr lang="en-US" dirty="0"/>
           </a:p>
         </p:txBody>
       </p:sp>
@@ -17463,26 +17537,25 @@
           <a:lstStyle/>
           <a:p>
             <a:r>
-              <a:rPr lang="en-US" dirty="0" smtClean="0"/>
+              <a:rPr lang="en-US" dirty="0"/>
               <a:t>A </a:t>
             </a:r>
             <a:r>
-              <a:rPr lang="en-US" dirty="0" err="1" smtClean="0"/>
+              <a:rPr lang="en-US" dirty="0" err="1"/>
               <a:t>Schottky</a:t>
             </a:r>
             <a:r>
-              <a:rPr lang="en-US" dirty="0" smtClean="0"/>
+              <a:rPr lang="en-US" dirty="0"/>
               <a:t> Diode uses a metal-semiconductor interface, in our case Palladium joining an N-type Silicon layer (</a:t>
             </a:r>
             <a:r>
-              <a:rPr lang="en-US" smtClean="0"/>
+              <a:rPr lang="en-US"/>
               <a:t>porous or </a:t>
             </a:r>
             <a:r>
-              <a:rPr lang="en-US" dirty="0" smtClean="0"/>
+              <a:rPr lang="en-US" dirty="0"/>
               <a:t>non-porous).</a:t>
             </a:r>
-            <a:endParaRPr lang="en-US" dirty="0"/>
           </a:p>
         </p:txBody>
       </p:sp>
@@ -18014,7 +18087,7 @@
                                       <a:lumMod val="75000"/>
                                     </a:schemeClr>
                                   </a:solidFill>
-                                  <a:latin typeface="Cambria Math"/>
+                                  <a:latin typeface="Cambria Math" panose="02040503050406030204" pitchFamily="18" charset="0"/>
                                 </a:rPr>
                               </m:ctrlPr>
                             </m:sSubPr>
@@ -18138,7 +18211,7 @@
                                       <a:lumMod val="75000"/>
                                     </a:schemeClr>
                                   </a:solidFill>
-                                  <a:latin typeface="Cambria Math"/>
+                                  <a:latin typeface="Cambria Math" panose="02040503050406030204" pitchFamily="18" charset="0"/>
                                 </a:rPr>
                               </m:ctrlPr>
                             </m:sSubPr>
@@ -18262,7 +18335,7 @@
                                       <a:lumMod val="75000"/>
                                     </a:schemeClr>
                                   </a:solidFill>
-                                  <a:latin typeface="Cambria Math"/>
+                                  <a:latin typeface="Cambria Math" panose="02040503050406030204" pitchFamily="18" charset="0"/>
                                 </a:rPr>
                               </m:ctrlPr>
                             </m:sSubPr>
@@ -18408,7 +18481,7 @@
             <a:lstStyle/>
             <a:p>
               <a:r>
-                <a:rPr lang="en-US" b="1" dirty="0" smtClean="0">
+                <a:rPr lang="en-US" b="1" dirty="0">
                   <a:solidFill>
                     <a:schemeClr val="accent1">
                       <a:lumMod val="75000"/>
@@ -18420,7 +18493,7 @@
             </a:p>
             <a:p>
               <a:r>
-                <a:rPr lang="en-US" b="1" dirty="0" smtClean="0">
+                <a:rPr lang="en-US" b="1" dirty="0">
                   <a:solidFill>
                     <a:schemeClr val="accent1">
                       <a:lumMod val="75000"/>
@@ -18429,13 +18502,6 @@
                 </a:rPr>
                 <a:t>Semiconductor</a:t>
               </a:r>
-              <a:endParaRPr lang="en-US" b="1" dirty="0">
-                <a:solidFill>
-                  <a:schemeClr val="accent1">
-                    <a:lumMod val="75000"/>
-                  </a:schemeClr>
-                </a:solidFill>
-              </a:endParaRPr>
             </a:p>
           </p:txBody>
         </p:sp>
@@ -18469,22 +18535,12 @@
                     </a:schemeClr>
                   </a:solidFill>
                 </a:rPr>
-                <a:t>N</a:t>
-              </a:r>
-              <a:r>
-                <a:rPr lang="en-US" b="1" dirty="0" smtClean="0">
-                  <a:solidFill>
-                    <a:schemeClr val="accent1">
-                      <a:lumMod val="75000"/>
-                    </a:schemeClr>
-                  </a:solidFill>
-                </a:rPr>
-                <a:t> Type</a:t>
+                <a:t>N Type</a:t>
               </a:r>
             </a:p>
             <a:p>
               <a:r>
-                <a:rPr lang="en-US" b="1" dirty="0" smtClean="0">
+                <a:rPr lang="en-US" b="1" dirty="0">
                   <a:solidFill>
                     <a:schemeClr val="accent1">
                       <a:lumMod val="75000"/>
@@ -18493,13 +18549,6 @@
                 </a:rPr>
                 <a:t>Semiconductor</a:t>
               </a:r>
-              <a:endParaRPr lang="en-US" b="1" dirty="0">
-                <a:solidFill>
-                  <a:schemeClr val="accent1">
-                    <a:lumMod val="75000"/>
-                  </a:schemeClr>
-                </a:solidFill>
-              </a:endParaRPr>
             </a:p>
           </p:txBody>
         </p:sp>
@@ -18574,7 +18623,7 @@
             <a:lstStyle/>
             <a:p>
               <a:r>
-                <a:rPr lang="en-US" b="1" dirty="0" smtClean="0">
+                <a:rPr lang="en-US" b="1" dirty="0">
                   <a:solidFill>
                     <a:schemeClr val="accent3">
                       <a:lumMod val="75000"/>
@@ -18583,13 +18632,6 @@
                 </a:rPr>
                 <a:t>Bandgap</a:t>
               </a:r>
-              <a:endParaRPr lang="en-US" b="1" dirty="0">
-                <a:solidFill>
-                  <a:schemeClr val="accent3">
-                    <a:lumMod val="75000"/>
-                  </a:schemeClr>
-                </a:solidFill>
-              </a:endParaRPr>
             </a:p>
           </p:txBody>
         </p:sp>
@@ -19073,7 +19115,7 @@
                                       <a:lumMod val="75000"/>
                                     </a:schemeClr>
                                   </a:solidFill>
-                                  <a:latin typeface="Cambria Math"/>
+                                  <a:latin typeface="Cambria Math" panose="02040503050406030204" pitchFamily="18" charset="0"/>
                                 </a:rPr>
                               </m:ctrlPr>
                             </m:sSubPr>
@@ -19197,7 +19239,7 @@
                                       <a:lumMod val="75000"/>
                                     </a:schemeClr>
                                   </a:solidFill>
-                                  <a:latin typeface="Cambria Math"/>
+                                  <a:latin typeface="Cambria Math" panose="02040503050406030204" pitchFamily="18" charset="0"/>
                                 </a:rPr>
                               </m:ctrlPr>
                             </m:sSubPr>
@@ -19321,7 +19363,7 @@
                                       <a:lumMod val="75000"/>
                                     </a:schemeClr>
                                   </a:solidFill>
-                                  <a:latin typeface="Cambria Math"/>
+                                  <a:latin typeface="Cambria Math" panose="02040503050406030204" pitchFamily="18" charset="0"/>
                                 </a:rPr>
                               </m:ctrlPr>
                             </m:sSubPr>
@@ -19507,22 +19549,12 @@
                     </a:schemeClr>
                   </a:solidFill>
                 </a:rPr>
-                <a:t>N</a:t>
-              </a:r>
-              <a:r>
-                <a:rPr lang="en-US" b="1" dirty="0" smtClean="0">
-                  <a:solidFill>
-                    <a:schemeClr val="accent1">
-                      <a:lumMod val="75000"/>
-                    </a:schemeClr>
-                  </a:solidFill>
-                </a:rPr>
-                <a:t> Type</a:t>
+                <a:t>N Type</a:t>
               </a:r>
             </a:p>
             <a:p>
               <a:r>
-                <a:rPr lang="en-US" b="1" dirty="0" smtClean="0">
+                <a:rPr lang="en-US" b="1" dirty="0">
                   <a:solidFill>
                     <a:schemeClr val="accent1">
                       <a:lumMod val="75000"/>
@@ -19531,13 +19563,6 @@
                 </a:rPr>
                 <a:t>Semiconductor</a:t>
               </a:r>
-              <a:endParaRPr lang="en-US" b="1" dirty="0">
-                <a:solidFill>
-                  <a:schemeClr val="accent1">
-                    <a:lumMod val="75000"/>
-                  </a:schemeClr>
-                </a:solidFill>
-              </a:endParaRPr>
             </a:p>
           </p:txBody>
         </p:sp>
@@ -19564,7 +19589,7 @@
             <a:lstStyle/>
             <a:p>
               <a:r>
-                <a:rPr lang="en-US" b="1" dirty="0" smtClean="0">
+                <a:rPr lang="en-US" b="1" dirty="0">
                   <a:solidFill>
                     <a:schemeClr val="tx1">
                       <a:lumMod val="85000"/>
@@ -19574,14 +19599,6 @@
                 </a:rPr>
                 <a:t>Metal</a:t>
               </a:r>
-              <a:endParaRPr lang="en-US" b="1" dirty="0">
-                <a:solidFill>
-                  <a:schemeClr val="tx1">
-                    <a:lumMod val="85000"/>
-                    <a:lumOff val="15000"/>
-                  </a:schemeClr>
-                </a:solidFill>
-              </a:endParaRPr>
             </a:p>
           </p:txBody>
         </p:sp>
@@ -19656,7 +19673,7 @@
             <a:lstStyle/>
             <a:p>
               <a:r>
-                <a:rPr lang="en-US" b="1" dirty="0" err="1" smtClean="0">
+                <a:rPr lang="en-US" b="1" dirty="0" err="1">
                   <a:solidFill>
                     <a:schemeClr val="accent3">
                       <a:lumMod val="75000"/>
@@ -19666,7 +19683,7 @@
                 <a:t>Schottky</a:t>
               </a:r>
               <a:r>
-                <a:rPr lang="en-US" b="1" dirty="0" smtClean="0">
+                <a:rPr lang="en-US" b="1" dirty="0">
                   <a:solidFill>
                     <a:schemeClr val="accent3">
                       <a:lumMod val="75000"/>
@@ -19675,13 +19692,6 @@
                 </a:rPr>
                 <a:t> Barrier</a:t>
               </a:r>
-              <a:endParaRPr lang="en-US" b="1" dirty="0">
-                <a:solidFill>
-                  <a:schemeClr val="accent3">
-                    <a:lumMod val="75000"/>
-                  </a:schemeClr>
-                </a:solidFill>
-              </a:endParaRPr>
             </a:p>
           </p:txBody>
         </p:sp>
@@ -19779,13 +19789,6 @@
   <p:clrMapOvr>
     <a:masterClrMapping/>
   </p:clrMapOvr>
-  <p:timing>
-    <p:tnLst>
-      <p:par>
-        <p:cTn id="1" dur="indefinite" restart="never" nodeType="tmRoot"/>
-      </p:par>
-    </p:tnLst>
-  </p:timing>
 </p:sld>
 </file>
 
@@ -19824,10 +19827,9 @@
           <a:lstStyle/>
           <a:p>
             <a:r>
-              <a:rPr lang="en-US" dirty="0" smtClean="0"/>
+              <a:rPr lang="en-US" dirty="0"/>
               <a:t>IV Characterization</a:t>
             </a:r>
-            <a:endParaRPr lang="en-US" dirty="0"/>
           </a:p>
         </p:txBody>
       </p:sp>
@@ -19847,26 +19849,25 @@
           <a:lstStyle/>
           <a:p>
             <a:r>
-              <a:rPr lang="en-US" dirty="0" smtClean="0"/>
+              <a:rPr lang="en-US" dirty="0"/>
               <a:t>Observe device properties an non-idealities in a standardized way</a:t>
             </a:r>
-            <a:endParaRPr lang="en-US" dirty="0"/>
           </a:p>
           <a:p>
             <a:pPr lvl="1"/>
             <a:r>
-              <a:rPr lang="en-US" dirty="0" smtClean="0"/>
+              <a:rPr lang="en-US" dirty="0"/>
               <a:t>Diode behavior</a:t>
             </a:r>
           </a:p>
           <a:p>
             <a:pPr lvl="1"/>
             <a:r>
-              <a:rPr lang="en-US" dirty="0" err="1" smtClean="0"/>
+              <a:rPr lang="en-US" dirty="0" err="1"/>
               <a:t>Ohmic</a:t>
             </a:r>
             <a:r>
-              <a:rPr lang="en-US" dirty="0" smtClean="0"/>
+              <a:rPr lang="en-US" dirty="0"/>
               <a:t> behavior</a:t>
             </a:r>
           </a:p>
@@ -20056,7 +20057,7 @@
           </p:nvCxnSpPr>
           <p:spPr>
             <a:xfrm flipH="1">
-              <a:off x="4842057" y="5541650"/>
+              <a:off x="4842057" y="5573819"/>
               <a:ext cx="2507026" cy="568558"/>
             </a:xfrm>
             <a:prstGeom prst="line">
@@ -20926,13 +20927,6 @@
   <p:clrMapOvr>
     <a:masterClrMapping/>
   </p:clrMapOvr>
-  <p:timing>
-    <p:tnLst>
-      <p:par>
-        <p:cTn id="1" dur="indefinite" restart="never" nodeType="tmRoot"/>
-      </p:par>
-    </p:tnLst>
-  </p:timing>
 </p:sld>
 </file>
 
@@ -20969,10 +20963,9 @@
           <a:lstStyle/>
           <a:p>
             <a:r>
-              <a:rPr lang="en-US" dirty="0" smtClean="0"/>
+              <a:rPr lang="en-US" dirty="0"/>
               <a:t>Measuring IV Performance</a:t>
             </a:r>
-            <a:endParaRPr lang="en-US" dirty="0"/>
           </a:p>
         </p:txBody>
       </p:sp>
@@ -20999,15 +20992,15 @@
           <a:lstStyle/>
           <a:p>
             <a:r>
-              <a:rPr lang="en-US" dirty="0" smtClean="0"/>
+              <a:rPr lang="en-US" dirty="0"/>
               <a:t>Discernable </a:t>
             </a:r>
             <a:r>
-              <a:rPr lang="en-US" dirty="0" err="1" smtClean="0"/>
+              <a:rPr lang="en-US" dirty="0" err="1"/>
               <a:t>diodic</a:t>
             </a:r>
             <a:r>
-              <a:rPr lang="en-US" dirty="0" smtClean="0"/>
+              <a:rPr lang="en-US" dirty="0"/>
               <a:t> behavior from all samples</a:t>
             </a:r>
           </a:p>
@@ -21016,14 +21009,13 @@
           </a:p>
           <a:p>
             <a:r>
-              <a:rPr lang="en-US" dirty="0" err="1" smtClean="0"/>
+              <a:rPr lang="en-US" dirty="0" err="1"/>
               <a:t>Ohmic</a:t>
             </a:r>
             <a:r>
-              <a:rPr lang="en-US" dirty="0" smtClean="0"/>
+              <a:rPr lang="en-US" dirty="0"/>
               <a:t> leakage current evident in samples (constant slope), indicating density of shunt paths.</a:t>
             </a:r>
-            <a:endParaRPr lang="en-US" dirty="0"/>
           </a:p>
         </p:txBody>
       </p:sp>
@@ -21117,13 +21109,6 @@
   <p:clrMapOvr>
     <a:masterClrMapping/>
   </p:clrMapOvr>
-  <p:timing>
-    <p:tnLst>
-      <p:par>
-        <p:cTn id="1" dur="indefinite" restart="never" nodeType="tmRoot"/>
-      </p:par>
-    </p:tnLst>
-  </p:timing>
 </p:sld>
 </file>
 
@@ -21160,10 +21145,9 @@
           <a:lstStyle/>
           <a:p>
             <a:r>
-              <a:rPr lang="en-US" dirty="0" smtClean="0"/>
+              <a:rPr lang="en-US" dirty="0"/>
               <a:t>Thermionic Emission Model</a:t>
             </a:r>
-            <a:endParaRPr lang="en-US" dirty="0"/>
           </a:p>
         </p:txBody>
       </p:sp>
@@ -21190,7 +21174,7 @@
           <a:lstStyle/>
           <a:p>
             <a:r>
-              <a:rPr lang="en-US" dirty="0" smtClean="0"/>
+              <a:rPr lang="en-US" dirty="0"/>
               <a:t>Charge across the junction in terms of kinetic energy.</a:t>
             </a:r>
           </a:p>
@@ -21199,7 +21183,7 @@
           </a:p>
           <a:p>
             <a:r>
-              <a:rPr lang="en-US" dirty="0" smtClean="0"/>
+              <a:rPr lang="en-US" dirty="0"/>
               <a:t>The temperature of the device affects the distribution of kinetic energies among carriers.</a:t>
             </a:r>
           </a:p>
@@ -21637,7 +21621,7 @@
                                     <a:lumMod val="75000"/>
                                   </a:schemeClr>
                                 </a:solidFill>
-                                <a:latin typeface="Cambria Math"/>
+                                <a:latin typeface="Cambria Math" panose="02040503050406030204" pitchFamily="18" charset="0"/>
                               </a:rPr>
                             </m:ctrlPr>
                           </m:sSubPr>
@@ -21761,7 +21745,7 @@
                                     <a:lumMod val="75000"/>
                                   </a:schemeClr>
                                 </a:solidFill>
-                                <a:latin typeface="Cambria Math"/>
+                                <a:latin typeface="Cambria Math" panose="02040503050406030204" pitchFamily="18" charset="0"/>
                               </a:rPr>
                             </m:ctrlPr>
                           </m:sSubPr>
@@ -21885,7 +21869,7 @@
                                     <a:lumMod val="75000"/>
                                   </a:schemeClr>
                                 </a:solidFill>
-                                <a:latin typeface="Cambria Math"/>
+                                <a:latin typeface="Cambria Math" panose="02040503050406030204" pitchFamily="18" charset="0"/>
                               </a:rPr>
                             </m:ctrlPr>
                           </m:sSubPr>
@@ -22071,22 +22055,12 @@
                   </a:schemeClr>
                 </a:solidFill>
               </a:rPr>
-              <a:t>N</a:t>
-            </a:r>
-            <a:r>
-              <a:rPr lang="en-US" b="1" dirty="0" smtClean="0">
-                <a:solidFill>
-                  <a:schemeClr val="accent1">
-                    <a:lumMod val="75000"/>
-                  </a:schemeClr>
-                </a:solidFill>
-              </a:rPr>
-              <a:t> Type</a:t>
+              <a:t>N Type</a:t>
             </a:r>
           </a:p>
           <a:p>
             <a:r>
-              <a:rPr lang="en-US" b="1" dirty="0" smtClean="0">
+              <a:rPr lang="en-US" b="1" dirty="0">
                 <a:solidFill>
                   <a:schemeClr val="accent1">
                     <a:lumMod val="75000"/>
@@ -22095,13 +22069,6 @@
               </a:rPr>
               <a:t>Semiconductor</a:t>
             </a:r>
-            <a:endParaRPr lang="en-US" b="1" dirty="0">
-              <a:solidFill>
-                <a:schemeClr val="accent1">
-                  <a:lumMod val="75000"/>
-                </a:schemeClr>
-              </a:solidFill>
-            </a:endParaRPr>
           </a:p>
         </p:txBody>
       </p:sp>
@@ -22128,7 +22095,7 @@
           <a:lstStyle/>
           <a:p>
             <a:r>
-              <a:rPr lang="en-US" b="1" dirty="0" smtClean="0">
+              <a:rPr lang="en-US" b="1" dirty="0">
                 <a:solidFill>
                   <a:schemeClr val="tx1">
                     <a:lumMod val="85000"/>
@@ -22138,14 +22105,6 @@
               </a:rPr>
               <a:t>Metal</a:t>
             </a:r>
-            <a:endParaRPr lang="en-US" b="1" dirty="0">
-              <a:solidFill>
-                <a:schemeClr val="tx1">
-                  <a:lumMod val="85000"/>
-                  <a:lumOff val="15000"/>
-                </a:schemeClr>
-              </a:solidFill>
-            </a:endParaRPr>
           </a:p>
         </p:txBody>
       </p:sp>
@@ -23710,17 +23669,16 @@
           <a:lstStyle/>
           <a:p>
             <a:r>
-              <a:rPr lang="en-US" dirty="0" smtClean="0"/>
+              <a:rPr lang="en-US" dirty="0"/>
               <a:t>Temperature Dependent</a:t>
             </a:r>
             <a:br>
-              <a:rPr lang="en-US" dirty="0" smtClean="0"/>
+              <a:rPr lang="en-US" dirty="0"/>
             </a:br>
             <a:r>
-              <a:rPr lang="en-US" dirty="0" smtClean="0"/>
+              <a:rPr lang="en-US" dirty="0"/>
               <a:t>IV Characterization</a:t>
             </a:r>
-            <a:endParaRPr lang="en-US" dirty="0"/>
           </a:p>
         </p:txBody>
       </p:sp>
@@ -23747,10 +23705,9 @@
           <a:lstStyle/>
           <a:p>
             <a:r>
-              <a:rPr lang="en-US" dirty="0" smtClean="0"/>
+              <a:rPr lang="en-US" dirty="0"/>
               <a:t>Temperature dependence taken from 77K to 350K at 10K steps.  Saturation current and fill factor change smoothly with temperature.</a:t>
             </a:r>
-            <a:endParaRPr lang="en-US" dirty="0"/>
           </a:p>
         </p:txBody>
       </p:sp>
@@ -23777,10 +23734,9 @@
           <a:lstStyle/>
           <a:p>
             <a:r>
-              <a:rPr lang="en-US" b="1" dirty="0" smtClean="0"/>
+              <a:rPr lang="en-US" b="1" dirty="0"/>
               <a:t>Temp (K)</a:t>
             </a:r>
-            <a:endParaRPr lang="en-US" b="1" dirty="0"/>
           </a:p>
         </p:txBody>
       </p:sp>
@@ -23859,13 +23815,6 @@
   <p:clrMapOvr>
     <a:masterClrMapping/>
   </p:clrMapOvr>
-  <p:timing>
-    <p:tnLst>
-      <p:par>
-        <p:cTn id="1" dur="indefinite" restart="never" nodeType="tmRoot"/>
-      </p:par>
-    </p:tnLst>
-  </p:timing>
 </p:sld>
 </file>
 
